--- a/archives/summer-10/爱慕猫体邻国斯必克二.pptx
+++ b/archives/summer-10/爱慕猫体邻国斯必克二.pptx
@@ -114,7 +114,7 @@
 </file>
 
 <file path=ppt/slideLayouts/slideLayout1.xml><?xml version="1.0" encoding="utf-8"?>
-<p:sldLayout xmlns:a="http://schemas.openxmlformats.org/drawingml/2006/main" xmlns:r="http://schemas.openxmlformats.org/officeDocument/2006/relationships" xmlns:p="http://schemas.openxmlformats.org/presentationml/2006/main" type="title" preserve="1">
+<p:sldLayout xmlns:a="http://schemas.openxmlformats.org/drawingml/2006/main" xmlns:r="http://schemas.openxmlformats.org/officeDocument/2006/relationships" xmlns:p="http://schemas.openxmlformats.org/presentationml/2006/main" preserve="1" userDrawn="1">
   <p:cSld name="标题幻灯片">
     <p:spTree>
       <p:nvGrpSpPr>
@@ -130,196 +130,6 @@
           <a:chExt cx="0" cy="0"/>
         </a:xfrm>
       </p:grpSpPr>
-      <p:sp>
-        <p:nvSpPr>
-          <p:cNvPr id="2" name="标题 1">
-            <a:extLst>
-              <a:ext uri="{FF2B5EF4-FFF2-40B4-BE49-F238E27FC236}">
-                <a16:creationId xmlns:a16="http://schemas.microsoft.com/office/drawing/2014/main" id="{1F5D8B3A-4D2A-653A-866F-8D050EF3540F}"/>
-              </a:ext>
-            </a:extLst>
-          </p:cNvPr>
-          <p:cNvSpPr>
-            <a:spLocks noGrp="1"/>
-          </p:cNvSpPr>
-          <p:nvPr>
-            <p:ph type="ctrTitle"/>
-          </p:nvPr>
-        </p:nvSpPr>
-        <p:spPr>
-          <a:xfrm>
-            <a:off x="1524000" y="1122363"/>
-            <a:ext cx="9144000" cy="2387600"/>
-          </a:xfrm>
-        </p:spPr>
-        <p:txBody>
-          <a:bodyPr anchor="b"/>
-          <a:lstStyle>
-            <a:lvl1pPr algn="ctr">
-              <a:defRPr sz="6000"/>
-            </a:lvl1pPr>
-          </a:lstStyle>
-          <a:p>
-            <a:r>
-              <a:rPr lang="zh-CN" altLang="en-US"/>
-              <a:t>单击此处编辑母版标题样式</a:t>
-            </a:r>
-          </a:p>
-        </p:txBody>
-      </p:sp>
-      <p:sp>
-        <p:nvSpPr>
-          <p:cNvPr id="3" name="副标题 2">
-            <a:extLst>
-              <a:ext uri="{FF2B5EF4-FFF2-40B4-BE49-F238E27FC236}">
-                <a16:creationId xmlns:a16="http://schemas.microsoft.com/office/drawing/2014/main" id="{80BD5089-AE15-5926-6AC8-598FF531D1E3}"/>
-              </a:ext>
-            </a:extLst>
-          </p:cNvPr>
-          <p:cNvSpPr>
-            <a:spLocks noGrp="1"/>
-          </p:cNvSpPr>
-          <p:nvPr>
-            <p:ph type="subTitle" idx="1"/>
-          </p:nvPr>
-        </p:nvSpPr>
-        <p:spPr>
-          <a:xfrm>
-            <a:off x="1524000" y="3602038"/>
-            <a:ext cx="9144000" cy="1655762"/>
-          </a:xfrm>
-        </p:spPr>
-        <p:txBody>
-          <a:bodyPr/>
-          <a:lstStyle>
-            <a:lvl1pPr marL="0" indent="0" algn="ctr">
-              <a:buNone/>
-              <a:defRPr sz="2400"/>
-            </a:lvl1pPr>
-            <a:lvl2pPr marL="457200" indent="0" algn="ctr">
-              <a:buNone/>
-              <a:defRPr sz="2000"/>
-            </a:lvl2pPr>
-            <a:lvl3pPr marL="914400" indent="0" algn="ctr">
-              <a:buNone/>
-              <a:defRPr sz="1800"/>
-            </a:lvl3pPr>
-            <a:lvl4pPr marL="1371600" indent="0" algn="ctr">
-              <a:buNone/>
-              <a:defRPr sz="1600"/>
-            </a:lvl4pPr>
-            <a:lvl5pPr marL="1828800" indent="0" algn="ctr">
-              <a:buNone/>
-              <a:defRPr sz="1600"/>
-            </a:lvl5pPr>
-            <a:lvl6pPr marL="2286000" indent="0" algn="ctr">
-              <a:buNone/>
-              <a:defRPr sz="1600"/>
-            </a:lvl6pPr>
-            <a:lvl7pPr marL="2743200" indent="0" algn="ctr">
-              <a:buNone/>
-              <a:defRPr sz="1600"/>
-            </a:lvl7pPr>
-            <a:lvl8pPr marL="3200400" indent="0" algn="ctr">
-              <a:buNone/>
-              <a:defRPr sz="1600"/>
-            </a:lvl8pPr>
-            <a:lvl9pPr marL="3657600" indent="0" algn="ctr">
-              <a:buNone/>
-              <a:defRPr sz="1600"/>
-            </a:lvl9pPr>
-          </a:lstStyle>
-          <a:p>
-            <a:r>
-              <a:rPr lang="zh-CN" altLang="en-US"/>
-              <a:t>单击此处编辑母版副标题样式</a:t>
-            </a:r>
-          </a:p>
-        </p:txBody>
-      </p:sp>
-      <p:sp>
-        <p:nvSpPr>
-          <p:cNvPr id="4" name="日期占位符 3">
-            <a:extLst>
-              <a:ext uri="{FF2B5EF4-FFF2-40B4-BE49-F238E27FC236}">
-                <a16:creationId xmlns:a16="http://schemas.microsoft.com/office/drawing/2014/main" id="{E7AA59B7-8959-4825-78E1-0FB2F66810C1}"/>
-              </a:ext>
-            </a:extLst>
-          </p:cNvPr>
-          <p:cNvSpPr>
-            <a:spLocks noGrp="1"/>
-          </p:cNvSpPr>
-          <p:nvPr>
-            <p:ph type="dt" sz="half" idx="10"/>
-          </p:nvPr>
-        </p:nvSpPr>
-        <p:spPr/>
-        <p:txBody>
-          <a:bodyPr/>
-          <a:lstStyle/>
-          <a:p>
-            <a:fld id="{ABDE1178-E9AD-4139-A89B-E3E12F7093C6}" type="datetimeFigureOut">
-              <a:rPr lang="zh-CN" altLang="en-US" smtClean="0"/>
-              <a:t>2023-05-02</a:t>
-            </a:fld>
-            <a:endParaRPr lang="zh-CN" altLang="en-US"/>
-          </a:p>
-        </p:txBody>
-      </p:sp>
-      <p:sp>
-        <p:nvSpPr>
-          <p:cNvPr id="5" name="页脚占位符 4">
-            <a:extLst>
-              <a:ext uri="{FF2B5EF4-FFF2-40B4-BE49-F238E27FC236}">
-                <a16:creationId xmlns:a16="http://schemas.microsoft.com/office/drawing/2014/main" id="{BCDDCB29-063C-A63A-A6AC-F47594B01CCC}"/>
-              </a:ext>
-            </a:extLst>
-          </p:cNvPr>
-          <p:cNvSpPr>
-            <a:spLocks noGrp="1"/>
-          </p:cNvSpPr>
-          <p:nvPr>
-            <p:ph type="ftr" sz="quarter" idx="11"/>
-          </p:nvPr>
-        </p:nvSpPr>
-        <p:spPr/>
-        <p:txBody>
-          <a:bodyPr/>
-          <a:lstStyle/>
-          <a:p>
-            <a:endParaRPr lang="zh-CN" altLang="en-US"/>
-          </a:p>
-        </p:txBody>
-      </p:sp>
-      <p:sp>
-        <p:nvSpPr>
-          <p:cNvPr id="6" name="灯片编号占位符 5">
-            <a:extLst>
-              <a:ext uri="{FF2B5EF4-FFF2-40B4-BE49-F238E27FC236}">
-                <a16:creationId xmlns:a16="http://schemas.microsoft.com/office/drawing/2014/main" id="{F5DDE456-071C-D15F-141A-28FA2AFB4868}"/>
-              </a:ext>
-            </a:extLst>
-          </p:cNvPr>
-          <p:cNvSpPr>
-            <a:spLocks noGrp="1"/>
-          </p:cNvSpPr>
-          <p:nvPr>
-            <p:ph type="sldNum" sz="quarter" idx="12"/>
-          </p:nvPr>
-        </p:nvSpPr>
-        <p:spPr/>
-        <p:txBody>
-          <a:bodyPr/>
-          <a:lstStyle/>
-          <a:p>
-            <a:fld id="{295948B7-781D-4E11-810B-5454579F03C3}" type="slidenum">
-              <a:rPr lang="zh-CN" altLang="en-US" smtClean="0"/>
-              <a:t>‹#›</a:t>
-            </a:fld>
-            <a:endParaRPr lang="zh-CN" altLang="en-US"/>
-          </a:p>
-        </p:txBody>
-      </p:sp>
       <p:pic>
         <p:nvPicPr>
           <p:cNvPr id="7" name="图片 6">
@@ -395,2415 +205,6 @@
     <p:extLst>
       <p:ext uri="{BB962C8B-B14F-4D97-AF65-F5344CB8AC3E}">
         <p14:creationId xmlns:p14="http://schemas.microsoft.com/office/powerpoint/2010/main" val="1475991006"/>
-      </p:ext>
-    </p:extLst>
-  </p:cSld>
-  <p:clrMapOvr>
-    <a:masterClrMapping/>
-  </p:clrMapOvr>
-</p:sldLayout>
-</file>
-
-<file path=ppt/slideLayouts/slideLayout10.xml><?xml version="1.0" encoding="utf-8"?>
-<p:sldLayout xmlns:a="http://schemas.openxmlformats.org/drawingml/2006/main" xmlns:r="http://schemas.openxmlformats.org/officeDocument/2006/relationships" xmlns:p="http://schemas.openxmlformats.org/presentationml/2006/main" type="vertTx" preserve="1">
-  <p:cSld name="标题和竖排文字">
-    <p:spTree>
-      <p:nvGrpSpPr>
-        <p:cNvPr id="1" name=""/>
-        <p:cNvGrpSpPr/>
-        <p:nvPr/>
-      </p:nvGrpSpPr>
-      <p:grpSpPr>
-        <a:xfrm>
-          <a:off x="0" y="0"/>
-          <a:ext cx="0" cy="0"/>
-          <a:chOff x="0" y="0"/>
-          <a:chExt cx="0" cy="0"/>
-        </a:xfrm>
-      </p:grpSpPr>
-      <p:sp>
-        <p:nvSpPr>
-          <p:cNvPr id="2" name="标题 1">
-            <a:extLst>
-              <a:ext uri="{FF2B5EF4-FFF2-40B4-BE49-F238E27FC236}">
-                <a16:creationId xmlns:a16="http://schemas.microsoft.com/office/drawing/2014/main" id="{A421B997-701A-E3E5-CD3E-A84401AECFEA}"/>
-              </a:ext>
-            </a:extLst>
-          </p:cNvPr>
-          <p:cNvSpPr>
-            <a:spLocks noGrp="1"/>
-          </p:cNvSpPr>
-          <p:nvPr>
-            <p:ph type="title"/>
-          </p:nvPr>
-        </p:nvSpPr>
-        <p:spPr/>
-        <p:txBody>
-          <a:bodyPr/>
-          <a:lstStyle/>
-          <a:p>
-            <a:r>
-              <a:rPr lang="zh-CN" altLang="en-US"/>
-              <a:t>单击此处编辑母版标题样式</a:t>
-            </a:r>
-          </a:p>
-        </p:txBody>
-      </p:sp>
-      <p:sp>
-        <p:nvSpPr>
-          <p:cNvPr id="3" name="竖排文字占位符 2">
-            <a:extLst>
-              <a:ext uri="{FF2B5EF4-FFF2-40B4-BE49-F238E27FC236}">
-                <a16:creationId xmlns:a16="http://schemas.microsoft.com/office/drawing/2014/main" id="{959D4E34-FDD5-16A2-2694-41488E09BBBE}"/>
-              </a:ext>
-            </a:extLst>
-          </p:cNvPr>
-          <p:cNvSpPr>
-            <a:spLocks noGrp="1"/>
-          </p:cNvSpPr>
-          <p:nvPr>
-            <p:ph type="body" orient="vert" idx="1"/>
-          </p:nvPr>
-        </p:nvSpPr>
-        <p:spPr/>
-        <p:txBody>
-          <a:bodyPr vert="eaVert"/>
-          <a:lstStyle/>
-          <a:p>
-            <a:pPr lvl="0"/>
-            <a:r>
-              <a:rPr lang="zh-CN" altLang="en-US"/>
-              <a:t>单击此处编辑母版文本样式</a:t>
-            </a:r>
-          </a:p>
-          <a:p>
-            <a:pPr lvl="1"/>
-            <a:r>
-              <a:rPr lang="zh-CN" altLang="en-US"/>
-              <a:t>二级</a:t>
-            </a:r>
-          </a:p>
-          <a:p>
-            <a:pPr lvl="2"/>
-            <a:r>
-              <a:rPr lang="zh-CN" altLang="en-US"/>
-              <a:t>三级</a:t>
-            </a:r>
-          </a:p>
-          <a:p>
-            <a:pPr lvl="3"/>
-            <a:r>
-              <a:rPr lang="zh-CN" altLang="en-US"/>
-              <a:t>四级</a:t>
-            </a:r>
-          </a:p>
-          <a:p>
-            <a:pPr lvl="4"/>
-            <a:r>
-              <a:rPr lang="zh-CN" altLang="en-US"/>
-              <a:t>五级</a:t>
-            </a:r>
-          </a:p>
-        </p:txBody>
-      </p:sp>
-      <p:sp>
-        <p:nvSpPr>
-          <p:cNvPr id="4" name="日期占位符 3">
-            <a:extLst>
-              <a:ext uri="{FF2B5EF4-FFF2-40B4-BE49-F238E27FC236}">
-                <a16:creationId xmlns:a16="http://schemas.microsoft.com/office/drawing/2014/main" id="{3CC497E3-4EEB-4C10-FFD8-B55C046DF54E}"/>
-              </a:ext>
-            </a:extLst>
-          </p:cNvPr>
-          <p:cNvSpPr>
-            <a:spLocks noGrp="1"/>
-          </p:cNvSpPr>
-          <p:nvPr>
-            <p:ph type="dt" sz="half" idx="10"/>
-          </p:nvPr>
-        </p:nvSpPr>
-        <p:spPr/>
-        <p:txBody>
-          <a:bodyPr/>
-          <a:lstStyle/>
-          <a:p>
-            <a:fld id="{ABDE1178-E9AD-4139-A89B-E3E12F7093C6}" type="datetimeFigureOut">
-              <a:rPr lang="zh-CN" altLang="en-US" smtClean="0"/>
-              <a:t>2023-05-02</a:t>
-            </a:fld>
-            <a:endParaRPr lang="zh-CN" altLang="en-US"/>
-          </a:p>
-        </p:txBody>
-      </p:sp>
-      <p:sp>
-        <p:nvSpPr>
-          <p:cNvPr id="5" name="页脚占位符 4">
-            <a:extLst>
-              <a:ext uri="{FF2B5EF4-FFF2-40B4-BE49-F238E27FC236}">
-                <a16:creationId xmlns:a16="http://schemas.microsoft.com/office/drawing/2014/main" id="{ED49A11E-9399-2B0F-76A0-FD1A699CE4AB}"/>
-              </a:ext>
-            </a:extLst>
-          </p:cNvPr>
-          <p:cNvSpPr>
-            <a:spLocks noGrp="1"/>
-          </p:cNvSpPr>
-          <p:nvPr>
-            <p:ph type="ftr" sz="quarter" idx="11"/>
-          </p:nvPr>
-        </p:nvSpPr>
-        <p:spPr/>
-        <p:txBody>
-          <a:bodyPr/>
-          <a:lstStyle/>
-          <a:p>
-            <a:endParaRPr lang="zh-CN" altLang="en-US"/>
-          </a:p>
-        </p:txBody>
-      </p:sp>
-      <p:sp>
-        <p:nvSpPr>
-          <p:cNvPr id="6" name="灯片编号占位符 5">
-            <a:extLst>
-              <a:ext uri="{FF2B5EF4-FFF2-40B4-BE49-F238E27FC236}">
-                <a16:creationId xmlns:a16="http://schemas.microsoft.com/office/drawing/2014/main" id="{B20F7114-AF1A-F158-45DB-A8E089869F6E}"/>
-              </a:ext>
-            </a:extLst>
-          </p:cNvPr>
-          <p:cNvSpPr>
-            <a:spLocks noGrp="1"/>
-          </p:cNvSpPr>
-          <p:nvPr>
-            <p:ph type="sldNum" sz="quarter" idx="12"/>
-          </p:nvPr>
-        </p:nvSpPr>
-        <p:spPr/>
-        <p:txBody>
-          <a:bodyPr/>
-          <a:lstStyle/>
-          <a:p>
-            <a:fld id="{295948B7-781D-4E11-810B-5454579F03C3}" type="slidenum">
-              <a:rPr lang="zh-CN" altLang="en-US" smtClean="0"/>
-              <a:t>‹#›</a:t>
-            </a:fld>
-            <a:endParaRPr lang="zh-CN" altLang="en-US"/>
-          </a:p>
-        </p:txBody>
-      </p:sp>
-    </p:spTree>
-    <p:extLst>
-      <p:ext uri="{BB962C8B-B14F-4D97-AF65-F5344CB8AC3E}">
-        <p14:creationId xmlns:p14="http://schemas.microsoft.com/office/powerpoint/2010/main" val="3422514403"/>
-      </p:ext>
-    </p:extLst>
-  </p:cSld>
-  <p:clrMapOvr>
-    <a:masterClrMapping/>
-  </p:clrMapOvr>
-</p:sldLayout>
-</file>
-
-<file path=ppt/slideLayouts/slideLayout11.xml><?xml version="1.0" encoding="utf-8"?>
-<p:sldLayout xmlns:a="http://schemas.openxmlformats.org/drawingml/2006/main" xmlns:r="http://schemas.openxmlformats.org/officeDocument/2006/relationships" xmlns:p="http://schemas.openxmlformats.org/presentationml/2006/main" type="vertTitleAndTx" preserve="1">
-  <p:cSld name="竖排标题与文本">
-    <p:spTree>
-      <p:nvGrpSpPr>
-        <p:cNvPr id="1" name=""/>
-        <p:cNvGrpSpPr/>
-        <p:nvPr/>
-      </p:nvGrpSpPr>
-      <p:grpSpPr>
-        <a:xfrm>
-          <a:off x="0" y="0"/>
-          <a:ext cx="0" cy="0"/>
-          <a:chOff x="0" y="0"/>
-          <a:chExt cx="0" cy="0"/>
-        </a:xfrm>
-      </p:grpSpPr>
-      <p:sp>
-        <p:nvSpPr>
-          <p:cNvPr id="2" name="竖排标题 1">
-            <a:extLst>
-              <a:ext uri="{FF2B5EF4-FFF2-40B4-BE49-F238E27FC236}">
-                <a16:creationId xmlns:a16="http://schemas.microsoft.com/office/drawing/2014/main" id="{74709349-88BA-D6E3-ED11-CFF826D7DF53}"/>
-              </a:ext>
-            </a:extLst>
-          </p:cNvPr>
-          <p:cNvSpPr>
-            <a:spLocks noGrp="1"/>
-          </p:cNvSpPr>
-          <p:nvPr>
-            <p:ph type="title" orient="vert"/>
-          </p:nvPr>
-        </p:nvSpPr>
-        <p:spPr>
-          <a:xfrm>
-            <a:off x="8724900" y="365125"/>
-            <a:ext cx="2628900" cy="5811838"/>
-          </a:xfrm>
-        </p:spPr>
-        <p:txBody>
-          <a:bodyPr vert="eaVert"/>
-          <a:lstStyle/>
-          <a:p>
-            <a:r>
-              <a:rPr lang="zh-CN" altLang="en-US"/>
-              <a:t>单击此处编辑母版标题样式</a:t>
-            </a:r>
-          </a:p>
-        </p:txBody>
-      </p:sp>
-      <p:sp>
-        <p:nvSpPr>
-          <p:cNvPr id="3" name="竖排文字占位符 2">
-            <a:extLst>
-              <a:ext uri="{FF2B5EF4-FFF2-40B4-BE49-F238E27FC236}">
-                <a16:creationId xmlns:a16="http://schemas.microsoft.com/office/drawing/2014/main" id="{640CAA7A-0A65-BEBE-5839-9157D8F92FD9}"/>
-              </a:ext>
-            </a:extLst>
-          </p:cNvPr>
-          <p:cNvSpPr>
-            <a:spLocks noGrp="1"/>
-          </p:cNvSpPr>
-          <p:nvPr>
-            <p:ph type="body" orient="vert" idx="1"/>
-          </p:nvPr>
-        </p:nvSpPr>
-        <p:spPr>
-          <a:xfrm>
-            <a:off x="838200" y="365125"/>
-            <a:ext cx="7734300" cy="5811838"/>
-          </a:xfrm>
-        </p:spPr>
-        <p:txBody>
-          <a:bodyPr vert="eaVert"/>
-          <a:lstStyle/>
-          <a:p>
-            <a:pPr lvl="0"/>
-            <a:r>
-              <a:rPr lang="zh-CN" altLang="en-US"/>
-              <a:t>单击此处编辑母版文本样式</a:t>
-            </a:r>
-          </a:p>
-          <a:p>
-            <a:pPr lvl="1"/>
-            <a:r>
-              <a:rPr lang="zh-CN" altLang="en-US"/>
-              <a:t>二级</a:t>
-            </a:r>
-          </a:p>
-          <a:p>
-            <a:pPr lvl="2"/>
-            <a:r>
-              <a:rPr lang="zh-CN" altLang="en-US"/>
-              <a:t>三级</a:t>
-            </a:r>
-          </a:p>
-          <a:p>
-            <a:pPr lvl="3"/>
-            <a:r>
-              <a:rPr lang="zh-CN" altLang="en-US"/>
-              <a:t>四级</a:t>
-            </a:r>
-          </a:p>
-          <a:p>
-            <a:pPr lvl="4"/>
-            <a:r>
-              <a:rPr lang="zh-CN" altLang="en-US"/>
-              <a:t>五级</a:t>
-            </a:r>
-          </a:p>
-        </p:txBody>
-      </p:sp>
-      <p:sp>
-        <p:nvSpPr>
-          <p:cNvPr id="4" name="日期占位符 3">
-            <a:extLst>
-              <a:ext uri="{FF2B5EF4-FFF2-40B4-BE49-F238E27FC236}">
-                <a16:creationId xmlns:a16="http://schemas.microsoft.com/office/drawing/2014/main" id="{1743F4C5-5E46-7BD9-27BA-0B02FF220C77}"/>
-              </a:ext>
-            </a:extLst>
-          </p:cNvPr>
-          <p:cNvSpPr>
-            <a:spLocks noGrp="1"/>
-          </p:cNvSpPr>
-          <p:nvPr>
-            <p:ph type="dt" sz="half" idx="10"/>
-          </p:nvPr>
-        </p:nvSpPr>
-        <p:spPr/>
-        <p:txBody>
-          <a:bodyPr/>
-          <a:lstStyle/>
-          <a:p>
-            <a:fld id="{ABDE1178-E9AD-4139-A89B-E3E12F7093C6}" type="datetimeFigureOut">
-              <a:rPr lang="zh-CN" altLang="en-US" smtClean="0"/>
-              <a:t>2023-05-02</a:t>
-            </a:fld>
-            <a:endParaRPr lang="zh-CN" altLang="en-US"/>
-          </a:p>
-        </p:txBody>
-      </p:sp>
-      <p:sp>
-        <p:nvSpPr>
-          <p:cNvPr id="5" name="页脚占位符 4">
-            <a:extLst>
-              <a:ext uri="{FF2B5EF4-FFF2-40B4-BE49-F238E27FC236}">
-                <a16:creationId xmlns:a16="http://schemas.microsoft.com/office/drawing/2014/main" id="{1680363B-3155-40AD-FCA9-FDF09F4C8964}"/>
-              </a:ext>
-            </a:extLst>
-          </p:cNvPr>
-          <p:cNvSpPr>
-            <a:spLocks noGrp="1"/>
-          </p:cNvSpPr>
-          <p:nvPr>
-            <p:ph type="ftr" sz="quarter" idx="11"/>
-          </p:nvPr>
-        </p:nvSpPr>
-        <p:spPr/>
-        <p:txBody>
-          <a:bodyPr/>
-          <a:lstStyle/>
-          <a:p>
-            <a:endParaRPr lang="zh-CN" altLang="en-US"/>
-          </a:p>
-        </p:txBody>
-      </p:sp>
-      <p:sp>
-        <p:nvSpPr>
-          <p:cNvPr id="6" name="灯片编号占位符 5">
-            <a:extLst>
-              <a:ext uri="{FF2B5EF4-FFF2-40B4-BE49-F238E27FC236}">
-                <a16:creationId xmlns:a16="http://schemas.microsoft.com/office/drawing/2014/main" id="{5CF5220A-B4AE-6E3B-8389-9EB83A6EBA7D}"/>
-              </a:ext>
-            </a:extLst>
-          </p:cNvPr>
-          <p:cNvSpPr>
-            <a:spLocks noGrp="1"/>
-          </p:cNvSpPr>
-          <p:nvPr>
-            <p:ph type="sldNum" sz="quarter" idx="12"/>
-          </p:nvPr>
-        </p:nvSpPr>
-        <p:spPr/>
-        <p:txBody>
-          <a:bodyPr/>
-          <a:lstStyle/>
-          <a:p>
-            <a:fld id="{295948B7-781D-4E11-810B-5454579F03C3}" type="slidenum">
-              <a:rPr lang="zh-CN" altLang="en-US" smtClean="0"/>
-              <a:t>‹#›</a:t>
-            </a:fld>
-            <a:endParaRPr lang="zh-CN" altLang="en-US"/>
-          </a:p>
-        </p:txBody>
-      </p:sp>
-    </p:spTree>
-    <p:extLst>
-      <p:ext uri="{BB962C8B-B14F-4D97-AF65-F5344CB8AC3E}">
-        <p14:creationId xmlns:p14="http://schemas.microsoft.com/office/powerpoint/2010/main" val="1892596283"/>
-      </p:ext>
-    </p:extLst>
-  </p:cSld>
-  <p:clrMapOvr>
-    <a:masterClrMapping/>
-  </p:clrMapOvr>
-</p:sldLayout>
-</file>
-
-<file path=ppt/slideLayouts/slideLayout2.xml><?xml version="1.0" encoding="utf-8"?>
-<p:sldLayout xmlns:a="http://schemas.openxmlformats.org/drawingml/2006/main" xmlns:r="http://schemas.openxmlformats.org/officeDocument/2006/relationships" xmlns:p="http://schemas.openxmlformats.org/presentationml/2006/main" type="obj" preserve="1">
-  <p:cSld name="标题和内容">
-    <p:spTree>
-      <p:nvGrpSpPr>
-        <p:cNvPr id="1" name=""/>
-        <p:cNvGrpSpPr/>
-        <p:nvPr/>
-      </p:nvGrpSpPr>
-      <p:grpSpPr>
-        <a:xfrm>
-          <a:off x="0" y="0"/>
-          <a:ext cx="0" cy="0"/>
-          <a:chOff x="0" y="0"/>
-          <a:chExt cx="0" cy="0"/>
-        </a:xfrm>
-      </p:grpSpPr>
-      <p:sp>
-        <p:nvSpPr>
-          <p:cNvPr id="2" name="标题 1">
-            <a:extLst>
-              <a:ext uri="{FF2B5EF4-FFF2-40B4-BE49-F238E27FC236}">
-                <a16:creationId xmlns:a16="http://schemas.microsoft.com/office/drawing/2014/main" id="{099A4D49-0431-700F-E500-70921812A7DF}"/>
-              </a:ext>
-            </a:extLst>
-          </p:cNvPr>
-          <p:cNvSpPr>
-            <a:spLocks noGrp="1"/>
-          </p:cNvSpPr>
-          <p:nvPr>
-            <p:ph type="title"/>
-          </p:nvPr>
-        </p:nvSpPr>
-        <p:spPr/>
-        <p:txBody>
-          <a:bodyPr/>
-          <a:lstStyle/>
-          <a:p>
-            <a:r>
-              <a:rPr lang="zh-CN" altLang="en-US"/>
-              <a:t>单击此处编辑母版标题样式</a:t>
-            </a:r>
-          </a:p>
-        </p:txBody>
-      </p:sp>
-      <p:sp>
-        <p:nvSpPr>
-          <p:cNvPr id="3" name="内容占位符 2">
-            <a:extLst>
-              <a:ext uri="{FF2B5EF4-FFF2-40B4-BE49-F238E27FC236}">
-                <a16:creationId xmlns:a16="http://schemas.microsoft.com/office/drawing/2014/main" id="{B49D308E-7F93-5067-88B2-C5CE15A949CC}"/>
-              </a:ext>
-            </a:extLst>
-          </p:cNvPr>
-          <p:cNvSpPr>
-            <a:spLocks noGrp="1"/>
-          </p:cNvSpPr>
-          <p:nvPr>
-            <p:ph idx="1"/>
-          </p:nvPr>
-        </p:nvSpPr>
-        <p:spPr/>
-        <p:txBody>
-          <a:bodyPr/>
-          <a:lstStyle/>
-          <a:p>
-            <a:pPr lvl="0"/>
-            <a:r>
-              <a:rPr lang="zh-CN" altLang="en-US"/>
-              <a:t>单击此处编辑母版文本样式</a:t>
-            </a:r>
-          </a:p>
-          <a:p>
-            <a:pPr lvl="1"/>
-            <a:r>
-              <a:rPr lang="zh-CN" altLang="en-US"/>
-              <a:t>二级</a:t>
-            </a:r>
-          </a:p>
-          <a:p>
-            <a:pPr lvl="2"/>
-            <a:r>
-              <a:rPr lang="zh-CN" altLang="en-US"/>
-              <a:t>三级</a:t>
-            </a:r>
-          </a:p>
-          <a:p>
-            <a:pPr lvl="3"/>
-            <a:r>
-              <a:rPr lang="zh-CN" altLang="en-US"/>
-              <a:t>四级</a:t>
-            </a:r>
-          </a:p>
-          <a:p>
-            <a:pPr lvl="4"/>
-            <a:r>
-              <a:rPr lang="zh-CN" altLang="en-US"/>
-              <a:t>五级</a:t>
-            </a:r>
-          </a:p>
-        </p:txBody>
-      </p:sp>
-      <p:sp>
-        <p:nvSpPr>
-          <p:cNvPr id="4" name="日期占位符 3">
-            <a:extLst>
-              <a:ext uri="{FF2B5EF4-FFF2-40B4-BE49-F238E27FC236}">
-                <a16:creationId xmlns:a16="http://schemas.microsoft.com/office/drawing/2014/main" id="{B2A72FCC-8205-C62F-0704-063BB2A3AC8E}"/>
-              </a:ext>
-            </a:extLst>
-          </p:cNvPr>
-          <p:cNvSpPr>
-            <a:spLocks noGrp="1"/>
-          </p:cNvSpPr>
-          <p:nvPr>
-            <p:ph type="dt" sz="half" idx="10"/>
-          </p:nvPr>
-        </p:nvSpPr>
-        <p:spPr/>
-        <p:txBody>
-          <a:bodyPr/>
-          <a:lstStyle/>
-          <a:p>
-            <a:fld id="{ABDE1178-E9AD-4139-A89B-E3E12F7093C6}" type="datetimeFigureOut">
-              <a:rPr lang="zh-CN" altLang="en-US" smtClean="0"/>
-              <a:t>2023-05-02</a:t>
-            </a:fld>
-            <a:endParaRPr lang="zh-CN" altLang="en-US"/>
-          </a:p>
-        </p:txBody>
-      </p:sp>
-      <p:sp>
-        <p:nvSpPr>
-          <p:cNvPr id="5" name="页脚占位符 4">
-            <a:extLst>
-              <a:ext uri="{FF2B5EF4-FFF2-40B4-BE49-F238E27FC236}">
-                <a16:creationId xmlns:a16="http://schemas.microsoft.com/office/drawing/2014/main" id="{B8930AE8-F27A-8C41-F838-0F5D733288C7}"/>
-              </a:ext>
-            </a:extLst>
-          </p:cNvPr>
-          <p:cNvSpPr>
-            <a:spLocks noGrp="1"/>
-          </p:cNvSpPr>
-          <p:nvPr>
-            <p:ph type="ftr" sz="quarter" idx="11"/>
-          </p:nvPr>
-        </p:nvSpPr>
-        <p:spPr/>
-        <p:txBody>
-          <a:bodyPr/>
-          <a:lstStyle/>
-          <a:p>
-            <a:endParaRPr lang="zh-CN" altLang="en-US"/>
-          </a:p>
-        </p:txBody>
-      </p:sp>
-      <p:sp>
-        <p:nvSpPr>
-          <p:cNvPr id="6" name="灯片编号占位符 5">
-            <a:extLst>
-              <a:ext uri="{FF2B5EF4-FFF2-40B4-BE49-F238E27FC236}">
-                <a16:creationId xmlns:a16="http://schemas.microsoft.com/office/drawing/2014/main" id="{B46EFB1E-78FB-CC7B-7956-620DE9C77C69}"/>
-              </a:ext>
-            </a:extLst>
-          </p:cNvPr>
-          <p:cNvSpPr>
-            <a:spLocks noGrp="1"/>
-          </p:cNvSpPr>
-          <p:nvPr>
-            <p:ph type="sldNum" sz="quarter" idx="12"/>
-          </p:nvPr>
-        </p:nvSpPr>
-        <p:spPr/>
-        <p:txBody>
-          <a:bodyPr/>
-          <a:lstStyle/>
-          <a:p>
-            <a:fld id="{295948B7-781D-4E11-810B-5454579F03C3}" type="slidenum">
-              <a:rPr lang="zh-CN" altLang="en-US" smtClean="0"/>
-              <a:t>‹#›</a:t>
-            </a:fld>
-            <a:endParaRPr lang="zh-CN" altLang="en-US"/>
-          </a:p>
-        </p:txBody>
-      </p:sp>
-    </p:spTree>
-    <p:extLst>
-      <p:ext uri="{BB962C8B-B14F-4D97-AF65-F5344CB8AC3E}">
-        <p14:creationId xmlns:p14="http://schemas.microsoft.com/office/powerpoint/2010/main" val="323045416"/>
-      </p:ext>
-    </p:extLst>
-  </p:cSld>
-  <p:clrMapOvr>
-    <a:masterClrMapping/>
-  </p:clrMapOvr>
-</p:sldLayout>
-</file>
-
-<file path=ppt/slideLayouts/slideLayout3.xml><?xml version="1.0" encoding="utf-8"?>
-<p:sldLayout xmlns:a="http://schemas.openxmlformats.org/drawingml/2006/main" xmlns:r="http://schemas.openxmlformats.org/officeDocument/2006/relationships" xmlns:p="http://schemas.openxmlformats.org/presentationml/2006/main" type="secHead" preserve="1">
-  <p:cSld name="节标题">
-    <p:spTree>
-      <p:nvGrpSpPr>
-        <p:cNvPr id="1" name=""/>
-        <p:cNvGrpSpPr/>
-        <p:nvPr/>
-      </p:nvGrpSpPr>
-      <p:grpSpPr>
-        <a:xfrm>
-          <a:off x="0" y="0"/>
-          <a:ext cx="0" cy="0"/>
-          <a:chOff x="0" y="0"/>
-          <a:chExt cx="0" cy="0"/>
-        </a:xfrm>
-      </p:grpSpPr>
-      <p:sp>
-        <p:nvSpPr>
-          <p:cNvPr id="2" name="标题 1">
-            <a:extLst>
-              <a:ext uri="{FF2B5EF4-FFF2-40B4-BE49-F238E27FC236}">
-                <a16:creationId xmlns:a16="http://schemas.microsoft.com/office/drawing/2014/main" id="{EF7B97AB-71D6-6FBC-45E2-0B7508ED62EF}"/>
-              </a:ext>
-            </a:extLst>
-          </p:cNvPr>
-          <p:cNvSpPr>
-            <a:spLocks noGrp="1"/>
-          </p:cNvSpPr>
-          <p:nvPr>
-            <p:ph type="title"/>
-          </p:nvPr>
-        </p:nvSpPr>
-        <p:spPr>
-          <a:xfrm>
-            <a:off x="831850" y="1709738"/>
-            <a:ext cx="10515600" cy="2852737"/>
-          </a:xfrm>
-        </p:spPr>
-        <p:txBody>
-          <a:bodyPr anchor="b"/>
-          <a:lstStyle>
-            <a:lvl1pPr>
-              <a:defRPr sz="6000"/>
-            </a:lvl1pPr>
-          </a:lstStyle>
-          <a:p>
-            <a:r>
-              <a:rPr lang="zh-CN" altLang="en-US"/>
-              <a:t>单击此处编辑母版标题样式</a:t>
-            </a:r>
-          </a:p>
-        </p:txBody>
-      </p:sp>
-      <p:sp>
-        <p:nvSpPr>
-          <p:cNvPr id="3" name="文本占位符 2">
-            <a:extLst>
-              <a:ext uri="{FF2B5EF4-FFF2-40B4-BE49-F238E27FC236}">
-                <a16:creationId xmlns:a16="http://schemas.microsoft.com/office/drawing/2014/main" id="{E2811154-EB55-76C9-593E-0146BA319C65}"/>
-              </a:ext>
-            </a:extLst>
-          </p:cNvPr>
-          <p:cNvSpPr>
-            <a:spLocks noGrp="1"/>
-          </p:cNvSpPr>
-          <p:nvPr>
-            <p:ph type="body" idx="1"/>
-          </p:nvPr>
-        </p:nvSpPr>
-        <p:spPr>
-          <a:xfrm>
-            <a:off x="831850" y="4589463"/>
-            <a:ext cx="10515600" cy="1500187"/>
-          </a:xfrm>
-        </p:spPr>
-        <p:txBody>
-          <a:bodyPr/>
-          <a:lstStyle>
-            <a:lvl1pPr marL="0" indent="0">
-              <a:buNone/>
-              <a:defRPr sz="2400">
-                <a:solidFill>
-                  <a:schemeClr val="tx1">
-                    <a:tint val="75000"/>
-                  </a:schemeClr>
-                </a:solidFill>
-              </a:defRPr>
-            </a:lvl1pPr>
-            <a:lvl2pPr marL="457200" indent="0">
-              <a:buNone/>
-              <a:defRPr sz="2000">
-                <a:solidFill>
-                  <a:schemeClr val="tx1">
-                    <a:tint val="75000"/>
-                  </a:schemeClr>
-                </a:solidFill>
-              </a:defRPr>
-            </a:lvl2pPr>
-            <a:lvl3pPr marL="914400" indent="0">
-              <a:buNone/>
-              <a:defRPr sz="1800">
-                <a:solidFill>
-                  <a:schemeClr val="tx1">
-                    <a:tint val="75000"/>
-                  </a:schemeClr>
-                </a:solidFill>
-              </a:defRPr>
-            </a:lvl3pPr>
-            <a:lvl4pPr marL="1371600" indent="0">
-              <a:buNone/>
-              <a:defRPr sz="1600">
-                <a:solidFill>
-                  <a:schemeClr val="tx1">
-                    <a:tint val="75000"/>
-                  </a:schemeClr>
-                </a:solidFill>
-              </a:defRPr>
-            </a:lvl4pPr>
-            <a:lvl5pPr marL="1828800" indent="0">
-              <a:buNone/>
-              <a:defRPr sz="1600">
-                <a:solidFill>
-                  <a:schemeClr val="tx1">
-                    <a:tint val="75000"/>
-                  </a:schemeClr>
-                </a:solidFill>
-              </a:defRPr>
-            </a:lvl5pPr>
-            <a:lvl6pPr marL="2286000" indent="0">
-              <a:buNone/>
-              <a:defRPr sz="1600">
-                <a:solidFill>
-                  <a:schemeClr val="tx1">
-                    <a:tint val="75000"/>
-                  </a:schemeClr>
-                </a:solidFill>
-              </a:defRPr>
-            </a:lvl6pPr>
-            <a:lvl7pPr marL="2743200" indent="0">
-              <a:buNone/>
-              <a:defRPr sz="1600">
-                <a:solidFill>
-                  <a:schemeClr val="tx1">
-                    <a:tint val="75000"/>
-                  </a:schemeClr>
-                </a:solidFill>
-              </a:defRPr>
-            </a:lvl7pPr>
-            <a:lvl8pPr marL="3200400" indent="0">
-              <a:buNone/>
-              <a:defRPr sz="1600">
-                <a:solidFill>
-                  <a:schemeClr val="tx1">
-                    <a:tint val="75000"/>
-                  </a:schemeClr>
-                </a:solidFill>
-              </a:defRPr>
-            </a:lvl8pPr>
-            <a:lvl9pPr marL="3657600" indent="0">
-              <a:buNone/>
-              <a:defRPr sz="1600">
-                <a:solidFill>
-                  <a:schemeClr val="tx1">
-                    <a:tint val="75000"/>
-                  </a:schemeClr>
-                </a:solidFill>
-              </a:defRPr>
-            </a:lvl9pPr>
-          </a:lstStyle>
-          <a:p>
-            <a:pPr lvl="0"/>
-            <a:r>
-              <a:rPr lang="zh-CN" altLang="en-US"/>
-              <a:t>单击此处编辑母版文本样式</a:t>
-            </a:r>
-          </a:p>
-        </p:txBody>
-      </p:sp>
-      <p:sp>
-        <p:nvSpPr>
-          <p:cNvPr id="4" name="日期占位符 3">
-            <a:extLst>
-              <a:ext uri="{FF2B5EF4-FFF2-40B4-BE49-F238E27FC236}">
-                <a16:creationId xmlns:a16="http://schemas.microsoft.com/office/drawing/2014/main" id="{60BA2D26-19DE-BEE9-B10C-C3425807017F}"/>
-              </a:ext>
-            </a:extLst>
-          </p:cNvPr>
-          <p:cNvSpPr>
-            <a:spLocks noGrp="1"/>
-          </p:cNvSpPr>
-          <p:nvPr>
-            <p:ph type="dt" sz="half" idx="10"/>
-          </p:nvPr>
-        </p:nvSpPr>
-        <p:spPr/>
-        <p:txBody>
-          <a:bodyPr/>
-          <a:lstStyle/>
-          <a:p>
-            <a:fld id="{ABDE1178-E9AD-4139-A89B-E3E12F7093C6}" type="datetimeFigureOut">
-              <a:rPr lang="zh-CN" altLang="en-US" smtClean="0"/>
-              <a:t>2023-05-02</a:t>
-            </a:fld>
-            <a:endParaRPr lang="zh-CN" altLang="en-US"/>
-          </a:p>
-        </p:txBody>
-      </p:sp>
-      <p:sp>
-        <p:nvSpPr>
-          <p:cNvPr id="5" name="页脚占位符 4">
-            <a:extLst>
-              <a:ext uri="{FF2B5EF4-FFF2-40B4-BE49-F238E27FC236}">
-                <a16:creationId xmlns:a16="http://schemas.microsoft.com/office/drawing/2014/main" id="{DB504716-158E-B178-2A30-BEFF02D002B3}"/>
-              </a:ext>
-            </a:extLst>
-          </p:cNvPr>
-          <p:cNvSpPr>
-            <a:spLocks noGrp="1"/>
-          </p:cNvSpPr>
-          <p:nvPr>
-            <p:ph type="ftr" sz="quarter" idx="11"/>
-          </p:nvPr>
-        </p:nvSpPr>
-        <p:spPr/>
-        <p:txBody>
-          <a:bodyPr/>
-          <a:lstStyle/>
-          <a:p>
-            <a:endParaRPr lang="zh-CN" altLang="en-US"/>
-          </a:p>
-        </p:txBody>
-      </p:sp>
-      <p:sp>
-        <p:nvSpPr>
-          <p:cNvPr id="6" name="灯片编号占位符 5">
-            <a:extLst>
-              <a:ext uri="{FF2B5EF4-FFF2-40B4-BE49-F238E27FC236}">
-                <a16:creationId xmlns:a16="http://schemas.microsoft.com/office/drawing/2014/main" id="{08606ED3-1612-13B1-D7F6-4BEF9AF75815}"/>
-              </a:ext>
-            </a:extLst>
-          </p:cNvPr>
-          <p:cNvSpPr>
-            <a:spLocks noGrp="1"/>
-          </p:cNvSpPr>
-          <p:nvPr>
-            <p:ph type="sldNum" sz="quarter" idx="12"/>
-          </p:nvPr>
-        </p:nvSpPr>
-        <p:spPr/>
-        <p:txBody>
-          <a:bodyPr/>
-          <a:lstStyle/>
-          <a:p>
-            <a:fld id="{295948B7-781D-4E11-810B-5454579F03C3}" type="slidenum">
-              <a:rPr lang="zh-CN" altLang="en-US" smtClean="0"/>
-              <a:t>‹#›</a:t>
-            </a:fld>
-            <a:endParaRPr lang="zh-CN" altLang="en-US"/>
-          </a:p>
-        </p:txBody>
-      </p:sp>
-    </p:spTree>
-    <p:extLst>
-      <p:ext uri="{BB962C8B-B14F-4D97-AF65-F5344CB8AC3E}">
-        <p14:creationId xmlns:p14="http://schemas.microsoft.com/office/powerpoint/2010/main" val="3410783344"/>
-      </p:ext>
-    </p:extLst>
-  </p:cSld>
-  <p:clrMapOvr>
-    <a:masterClrMapping/>
-  </p:clrMapOvr>
-</p:sldLayout>
-</file>
-
-<file path=ppt/slideLayouts/slideLayout4.xml><?xml version="1.0" encoding="utf-8"?>
-<p:sldLayout xmlns:a="http://schemas.openxmlformats.org/drawingml/2006/main" xmlns:r="http://schemas.openxmlformats.org/officeDocument/2006/relationships" xmlns:p="http://schemas.openxmlformats.org/presentationml/2006/main" type="twoObj" preserve="1">
-  <p:cSld name="两栏内容">
-    <p:spTree>
-      <p:nvGrpSpPr>
-        <p:cNvPr id="1" name=""/>
-        <p:cNvGrpSpPr/>
-        <p:nvPr/>
-      </p:nvGrpSpPr>
-      <p:grpSpPr>
-        <a:xfrm>
-          <a:off x="0" y="0"/>
-          <a:ext cx="0" cy="0"/>
-          <a:chOff x="0" y="0"/>
-          <a:chExt cx="0" cy="0"/>
-        </a:xfrm>
-      </p:grpSpPr>
-      <p:sp>
-        <p:nvSpPr>
-          <p:cNvPr id="2" name="标题 1">
-            <a:extLst>
-              <a:ext uri="{FF2B5EF4-FFF2-40B4-BE49-F238E27FC236}">
-                <a16:creationId xmlns:a16="http://schemas.microsoft.com/office/drawing/2014/main" id="{50748EFB-FE90-DCF6-1D81-1A6460A0B41E}"/>
-              </a:ext>
-            </a:extLst>
-          </p:cNvPr>
-          <p:cNvSpPr>
-            <a:spLocks noGrp="1"/>
-          </p:cNvSpPr>
-          <p:nvPr>
-            <p:ph type="title"/>
-          </p:nvPr>
-        </p:nvSpPr>
-        <p:spPr/>
-        <p:txBody>
-          <a:bodyPr/>
-          <a:lstStyle/>
-          <a:p>
-            <a:r>
-              <a:rPr lang="zh-CN" altLang="en-US"/>
-              <a:t>单击此处编辑母版标题样式</a:t>
-            </a:r>
-          </a:p>
-        </p:txBody>
-      </p:sp>
-      <p:sp>
-        <p:nvSpPr>
-          <p:cNvPr id="3" name="内容占位符 2">
-            <a:extLst>
-              <a:ext uri="{FF2B5EF4-FFF2-40B4-BE49-F238E27FC236}">
-                <a16:creationId xmlns:a16="http://schemas.microsoft.com/office/drawing/2014/main" id="{E76A9A48-222B-7914-9D9C-FD99E72E9E53}"/>
-              </a:ext>
-            </a:extLst>
-          </p:cNvPr>
-          <p:cNvSpPr>
-            <a:spLocks noGrp="1"/>
-          </p:cNvSpPr>
-          <p:nvPr>
-            <p:ph sz="half" idx="1"/>
-          </p:nvPr>
-        </p:nvSpPr>
-        <p:spPr>
-          <a:xfrm>
-            <a:off x="838200" y="1825625"/>
-            <a:ext cx="5181600" cy="4351338"/>
-          </a:xfrm>
-        </p:spPr>
-        <p:txBody>
-          <a:bodyPr/>
-          <a:lstStyle/>
-          <a:p>
-            <a:pPr lvl="0"/>
-            <a:r>
-              <a:rPr lang="zh-CN" altLang="en-US"/>
-              <a:t>单击此处编辑母版文本样式</a:t>
-            </a:r>
-          </a:p>
-          <a:p>
-            <a:pPr lvl="1"/>
-            <a:r>
-              <a:rPr lang="zh-CN" altLang="en-US"/>
-              <a:t>二级</a:t>
-            </a:r>
-          </a:p>
-          <a:p>
-            <a:pPr lvl="2"/>
-            <a:r>
-              <a:rPr lang="zh-CN" altLang="en-US"/>
-              <a:t>三级</a:t>
-            </a:r>
-          </a:p>
-          <a:p>
-            <a:pPr lvl="3"/>
-            <a:r>
-              <a:rPr lang="zh-CN" altLang="en-US"/>
-              <a:t>四级</a:t>
-            </a:r>
-          </a:p>
-          <a:p>
-            <a:pPr lvl="4"/>
-            <a:r>
-              <a:rPr lang="zh-CN" altLang="en-US"/>
-              <a:t>五级</a:t>
-            </a:r>
-          </a:p>
-        </p:txBody>
-      </p:sp>
-      <p:sp>
-        <p:nvSpPr>
-          <p:cNvPr id="4" name="内容占位符 3">
-            <a:extLst>
-              <a:ext uri="{FF2B5EF4-FFF2-40B4-BE49-F238E27FC236}">
-                <a16:creationId xmlns:a16="http://schemas.microsoft.com/office/drawing/2014/main" id="{7922463B-1288-2C3C-301E-158EB7B9A30C}"/>
-              </a:ext>
-            </a:extLst>
-          </p:cNvPr>
-          <p:cNvSpPr>
-            <a:spLocks noGrp="1"/>
-          </p:cNvSpPr>
-          <p:nvPr>
-            <p:ph sz="half" idx="2"/>
-          </p:nvPr>
-        </p:nvSpPr>
-        <p:spPr>
-          <a:xfrm>
-            <a:off x="6172200" y="1825625"/>
-            <a:ext cx="5181600" cy="4351338"/>
-          </a:xfrm>
-        </p:spPr>
-        <p:txBody>
-          <a:bodyPr/>
-          <a:lstStyle/>
-          <a:p>
-            <a:pPr lvl="0"/>
-            <a:r>
-              <a:rPr lang="zh-CN" altLang="en-US"/>
-              <a:t>单击此处编辑母版文本样式</a:t>
-            </a:r>
-          </a:p>
-          <a:p>
-            <a:pPr lvl="1"/>
-            <a:r>
-              <a:rPr lang="zh-CN" altLang="en-US"/>
-              <a:t>二级</a:t>
-            </a:r>
-          </a:p>
-          <a:p>
-            <a:pPr lvl="2"/>
-            <a:r>
-              <a:rPr lang="zh-CN" altLang="en-US"/>
-              <a:t>三级</a:t>
-            </a:r>
-          </a:p>
-          <a:p>
-            <a:pPr lvl="3"/>
-            <a:r>
-              <a:rPr lang="zh-CN" altLang="en-US"/>
-              <a:t>四级</a:t>
-            </a:r>
-          </a:p>
-          <a:p>
-            <a:pPr lvl="4"/>
-            <a:r>
-              <a:rPr lang="zh-CN" altLang="en-US"/>
-              <a:t>五级</a:t>
-            </a:r>
-          </a:p>
-        </p:txBody>
-      </p:sp>
-      <p:sp>
-        <p:nvSpPr>
-          <p:cNvPr id="5" name="日期占位符 4">
-            <a:extLst>
-              <a:ext uri="{FF2B5EF4-FFF2-40B4-BE49-F238E27FC236}">
-                <a16:creationId xmlns:a16="http://schemas.microsoft.com/office/drawing/2014/main" id="{1224BC20-EA84-563F-31E5-BCA0655ACFAD}"/>
-              </a:ext>
-            </a:extLst>
-          </p:cNvPr>
-          <p:cNvSpPr>
-            <a:spLocks noGrp="1"/>
-          </p:cNvSpPr>
-          <p:nvPr>
-            <p:ph type="dt" sz="half" idx="10"/>
-          </p:nvPr>
-        </p:nvSpPr>
-        <p:spPr/>
-        <p:txBody>
-          <a:bodyPr/>
-          <a:lstStyle/>
-          <a:p>
-            <a:fld id="{ABDE1178-E9AD-4139-A89B-E3E12F7093C6}" type="datetimeFigureOut">
-              <a:rPr lang="zh-CN" altLang="en-US" smtClean="0"/>
-              <a:t>2023-05-02</a:t>
-            </a:fld>
-            <a:endParaRPr lang="zh-CN" altLang="en-US"/>
-          </a:p>
-        </p:txBody>
-      </p:sp>
-      <p:sp>
-        <p:nvSpPr>
-          <p:cNvPr id="6" name="页脚占位符 5">
-            <a:extLst>
-              <a:ext uri="{FF2B5EF4-FFF2-40B4-BE49-F238E27FC236}">
-                <a16:creationId xmlns:a16="http://schemas.microsoft.com/office/drawing/2014/main" id="{B1C6CCA4-DCBE-8FC4-EC3F-1EFF69F74035}"/>
-              </a:ext>
-            </a:extLst>
-          </p:cNvPr>
-          <p:cNvSpPr>
-            <a:spLocks noGrp="1"/>
-          </p:cNvSpPr>
-          <p:nvPr>
-            <p:ph type="ftr" sz="quarter" idx="11"/>
-          </p:nvPr>
-        </p:nvSpPr>
-        <p:spPr/>
-        <p:txBody>
-          <a:bodyPr/>
-          <a:lstStyle/>
-          <a:p>
-            <a:endParaRPr lang="zh-CN" altLang="en-US"/>
-          </a:p>
-        </p:txBody>
-      </p:sp>
-      <p:sp>
-        <p:nvSpPr>
-          <p:cNvPr id="7" name="灯片编号占位符 6">
-            <a:extLst>
-              <a:ext uri="{FF2B5EF4-FFF2-40B4-BE49-F238E27FC236}">
-                <a16:creationId xmlns:a16="http://schemas.microsoft.com/office/drawing/2014/main" id="{875F4BFF-6A58-31A9-0794-A311C3DAAD80}"/>
-              </a:ext>
-            </a:extLst>
-          </p:cNvPr>
-          <p:cNvSpPr>
-            <a:spLocks noGrp="1"/>
-          </p:cNvSpPr>
-          <p:nvPr>
-            <p:ph type="sldNum" sz="quarter" idx="12"/>
-          </p:nvPr>
-        </p:nvSpPr>
-        <p:spPr/>
-        <p:txBody>
-          <a:bodyPr/>
-          <a:lstStyle/>
-          <a:p>
-            <a:fld id="{295948B7-781D-4E11-810B-5454579F03C3}" type="slidenum">
-              <a:rPr lang="zh-CN" altLang="en-US" smtClean="0"/>
-              <a:t>‹#›</a:t>
-            </a:fld>
-            <a:endParaRPr lang="zh-CN" altLang="en-US"/>
-          </a:p>
-        </p:txBody>
-      </p:sp>
-    </p:spTree>
-    <p:extLst>
-      <p:ext uri="{BB962C8B-B14F-4D97-AF65-F5344CB8AC3E}">
-        <p14:creationId xmlns:p14="http://schemas.microsoft.com/office/powerpoint/2010/main" val="536677913"/>
-      </p:ext>
-    </p:extLst>
-  </p:cSld>
-  <p:clrMapOvr>
-    <a:masterClrMapping/>
-  </p:clrMapOvr>
-</p:sldLayout>
-</file>
-
-<file path=ppt/slideLayouts/slideLayout5.xml><?xml version="1.0" encoding="utf-8"?>
-<p:sldLayout xmlns:a="http://schemas.openxmlformats.org/drawingml/2006/main" xmlns:r="http://schemas.openxmlformats.org/officeDocument/2006/relationships" xmlns:p="http://schemas.openxmlformats.org/presentationml/2006/main" type="twoTxTwoObj" preserve="1">
-  <p:cSld name="比较">
-    <p:spTree>
-      <p:nvGrpSpPr>
-        <p:cNvPr id="1" name=""/>
-        <p:cNvGrpSpPr/>
-        <p:nvPr/>
-      </p:nvGrpSpPr>
-      <p:grpSpPr>
-        <a:xfrm>
-          <a:off x="0" y="0"/>
-          <a:ext cx="0" cy="0"/>
-          <a:chOff x="0" y="0"/>
-          <a:chExt cx="0" cy="0"/>
-        </a:xfrm>
-      </p:grpSpPr>
-      <p:sp>
-        <p:nvSpPr>
-          <p:cNvPr id="2" name="标题 1">
-            <a:extLst>
-              <a:ext uri="{FF2B5EF4-FFF2-40B4-BE49-F238E27FC236}">
-                <a16:creationId xmlns:a16="http://schemas.microsoft.com/office/drawing/2014/main" id="{235A77D9-5FD7-C8C1-41D5-8FC609C7C565}"/>
-              </a:ext>
-            </a:extLst>
-          </p:cNvPr>
-          <p:cNvSpPr>
-            <a:spLocks noGrp="1"/>
-          </p:cNvSpPr>
-          <p:nvPr>
-            <p:ph type="title"/>
-          </p:nvPr>
-        </p:nvSpPr>
-        <p:spPr>
-          <a:xfrm>
-            <a:off x="839788" y="365125"/>
-            <a:ext cx="10515600" cy="1325563"/>
-          </a:xfrm>
-        </p:spPr>
-        <p:txBody>
-          <a:bodyPr/>
-          <a:lstStyle/>
-          <a:p>
-            <a:r>
-              <a:rPr lang="zh-CN" altLang="en-US"/>
-              <a:t>单击此处编辑母版标题样式</a:t>
-            </a:r>
-          </a:p>
-        </p:txBody>
-      </p:sp>
-      <p:sp>
-        <p:nvSpPr>
-          <p:cNvPr id="3" name="文本占位符 2">
-            <a:extLst>
-              <a:ext uri="{FF2B5EF4-FFF2-40B4-BE49-F238E27FC236}">
-                <a16:creationId xmlns:a16="http://schemas.microsoft.com/office/drawing/2014/main" id="{E76477C5-F320-83F6-0DB1-5C89921F98F9}"/>
-              </a:ext>
-            </a:extLst>
-          </p:cNvPr>
-          <p:cNvSpPr>
-            <a:spLocks noGrp="1"/>
-          </p:cNvSpPr>
-          <p:nvPr>
-            <p:ph type="body" idx="1"/>
-          </p:nvPr>
-        </p:nvSpPr>
-        <p:spPr>
-          <a:xfrm>
-            <a:off x="839788" y="1681163"/>
-            <a:ext cx="5157787" cy="823912"/>
-          </a:xfrm>
-        </p:spPr>
-        <p:txBody>
-          <a:bodyPr anchor="b"/>
-          <a:lstStyle>
-            <a:lvl1pPr marL="0" indent="0">
-              <a:buNone/>
-              <a:defRPr sz="2400" b="1"/>
-            </a:lvl1pPr>
-            <a:lvl2pPr marL="457200" indent="0">
-              <a:buNone/>
-              <a:defRPr sz="2000" b="1"/>
-            </a:lvl2pPr>
-            <a:lvl3pPr marL="914400" indent="0">
-              <a:buNone/>
-              <a:defRPr sz="1800" b="1"/>
-            </a:lvl3pPr>
-            <a:lvl4pPr marL="1371600" indent="0">
-              <a:buNone/>
-              <a:defRPr sz="1600" b="1"/>
-            </a:lvl4pPr>
-            <a:lvl5pPr marL="1828800" indent="0">
-              <a:buNone/>
-              <a:defRPr sz="1600" b="1"/>
-            </a:lvl5pPr>
-            <a:lvl6pPr marL="2286000" indent="0">
-              <a:buNone/>
-              <a:defRPr sz="1600" b="1"/>
-            </a:lvl6pPr>
-            <a:lvl7pPr marL="2743200" indent="0">
-              <a:buNone/>
-              <a:defRPr sz="1600" b="1"/>
-            </a:lvl7pPr>
-            <a:lvl8pPr marL="3200400" indent="0">
-              <a:buNone/>
-              <a:defRPr sz="1600" b="1"/>
-            </a:lvl8pPr>
-            <a:lvl9pPr marL="3657600" indent="0">
-              <a:buNone/>
-              <a:defRPr sz="1600" b="1"/>
-            </a:lvl9pPr>
-          </a:lstStyle>
-          <a:p>
-            <a:pPr lvl="0"/>
-            <a:r>
-              <a:rPr lang="zh-CN" altLang="en-US"/>
-              <a:t>单击此处编辑母版文本样式</a:t>
-            </a:r>
-          </a:p>
-        </p:txBody>
-      </p:sp>
-      <p:sp>
-        <p:nvSpPr>
-          <p:cNvPr id="4" name="内容占位符 3">
-            <a:extLst>
-              <a:ext uri="{FF2B5EF4-FFF2-40B4-BE49-F238E27FC236}">
-                <a16:creationId xmlns:a16="http://schemas.microsoft.com/office/drawing/2014/main" id="{FDC09FDD-E601-E058-52AE-1DEBDFDE076E}"/>
-              </a:ext>
-            </a:extLst>
-          </p:cNvPr>
-          <p:cNvSpPr>
-            <a:spLocks noGrp="1"/>
-          </p:cNvSpPr>
-          <p:nvPr>
-            <p:ph sz="half" idx="2"/>
-          </p:nvPr>
-        </p:nvSpPr>
-        <p:spPr>
-          <a:xfrm>
-            <a:off x="839788" y="2505075"/>
-            <a:ext cx="5157787" cy="3684588"/>
-          </a:xfrm>
-        </p:spPr>
-        <p:txBody>
-          <a:bodyPr/>
-          <a:lstStyle/>
-          <a:p>
-            <a:pPr lvl="0"/>
-            <a:r>
-              <a:rPr lang="zh-CN" altLang="en-US"/>
-              <a:t>单击此处编辑母版文本样式</a:t>
-            </a:r>
-          </a:p>
-          <a:p>
-            <a:pPr lvl="1"/>
-            <a:r>
-              <a:rPr lang="zh-CN" altLang="en-US"/>
-              <a:t>二级</a:t>
-            </a:r>
-          </a:p>
-          <a:p>
-            <a:pPr lvl="2"/>
-            <a:r>
-              <a:rPr lang="zh-CN" altLang="en-US"/>
-              <a:t>三级</a:t>
-            </a:r>
-          </a:p>
-          <a:p>
-            <a:pPr lvl="3"/>
-            <a:r>
-              <a:rPr lang="zh-CN" altLang="en-US"/>
-              <a:t>四级</a:t>
-            </a:r>
-          </a:p>
-          <a:p>
-            <a:pPr lvl="4"/>
-            <a:r>
-              <a:rPr lang="zh-CN" altLang="en-US"/>
-              <a:t>五级</a:t>
-            </a:r>
-          </a:p>
-        </p:txBody>
-      </p:sp>
-      <p:sp>
-        <p:nvSpPr>
-          <p:cNvPr id="5" name="文本占位符 4">
-            <a:extLst>
-              <a:ext uri="{FF2B5EF4-FFF2-40B4-BE49-F238E27FC236}">
-                <a16:creationId xmlns:a16="http://schemas.microsoft.com/office/drawing/2014/main" id="{BABF7421-9B2E-E060-1AA3-ED8AF1D06D36}"/>
-              </a:ext>
-            </a:extLst>
-          </p:cNvPr>
-          <p:cNvSpPr>
-            <a:spLocks noGrp="1"/>
-          </p:cNvSpPr>
-          <p:nvPr>
-            <p:ph type="body" sz="quarter" idx="3"/>
-          </p:nvPr>
-        </p:nvSpPr>
-        <p:spPr>
-          <a:xfrm>
-            <a:off x="6172200" y="1681163"/>
-            <a:ext cx="5183188" cy="823912"/>
-          </a:xfrm>
-        </p:spPr>
-        <p:txBody>
-          <a:bodyPr anchor="b"/>
-          <a:lstStyle>
-            <a:lvl1pPr marL="0" indent="0">
-              <a:buNone/>
-              <a:defRPr sz="2400" b="1"/>
-            </a:lvl1pPr>
-            <a:lvl2pPr marL="457200" indent="0">
-              <a:buNone/>
-              <a:defRPr sz="2000" b="1"/>
-            </a:lvl2pPr>
-            <a:lvl3pPr marL="914400" indent="0">
-              <a:buNone/>
-              <a:defRPr sz="1800" b="1"/>
-            </a:lvl3pPr>
-            <a:lvl4pPr marL="1371600" indent="0">
-              <a:buNone/>
-              <a:defRPr sz="1600" b="1"/>
-            </a:lvl4pPr>
-            <a:lvl5pPr marL="1828800" indent="0">
-              <a:buNone/>
-              <a:defRPr sz="1600" b="1"/>
-            </a:lvl5pPr>
-            <a:lvl6pPr marL="2286000" indent="0">
-              <a:buNone/>
-              <a:defRPr sz="1600" b="1"/>
-            </a:lvl6pPr>
-            <a:lvl7pPr marL="2743200" indent="0">
-              <a:buNone/>
-              <a:defRPr sz="1600" b="1"/>
-            </a:lvl7pPr>
-            <a:lvl8pPr marL="3200400" indent="0">
-              <a:buNone/>
-              <a:defRPr sz="1600" b="1"/>
-            </a:lvl8pPr>
-            <a:lvl9pPr marL="3657600" indent="0">
-              <a:buNone/>
-              <a:defRPr sz="1600" b="1"/>
-            </a:lvl9pPr>
-          </a:lstStyle>
-          <a:p>
-            <a:pPr lvl="0"/>
-            <a:r>
-              <a:rPr lang="zh-CN" altLang="en-US"/>
-              <a:t>单击此处编辑母版文本样式</a:t>
-            </a:r>
-          </a:p>
-        </p:txBody>
-      </p:sp>
-      <p:sp>
-        <p:nvSpPr>
-          <p:cNvPr id="6" name="内容占位符 5">
-            <a:extLst>
-              <a:ext uri="{FF2B5EF4-FFF2-40B4-BE49-F238E27FC236}">
-                <a16:creationId xmlns:a16="http://schemas.microsoft.com/office/drawing/2014/main" id="{85B617AC-1DF2-93A1-356E-7A2AFA29A3EB}"/>
-              </a:ext>
-            </a:extLst>
-          </p:cNvPr>
-          <p:cNvSpPr>
-            <a:spLocks noGrp="1"/>
-          </p:cNvSpPr>
-          <p:nvPr>
-            <p:ph sz="quarter" idx="4"/>
-          </p:nvPr>
-        </p:nvSpPr>
-        <p:spPr>
-          <a:xfrm>
-            <a:off x="6172200" y="2505075"/>
-            <a:ext cx="5183188" cy="3684588"/>
-          </a:xfrm>
-        </p:spPr>
-        <p:txBody>
-          <a:bodyPr/>
-          <a:lstStyle/>
-          <a:p>
-            <a:pPr lvl="0"/>
-            <a:r>
-              <a:rPr lang="zh-CN" altLang="en-US"/>
-              <a:t>单击此处编辑母版文本样式</a:t>
-            </a:r>
-          </a:p>
-          <a:p>
-            <a:pPr lvl="1"/>
-            <a:r>
-              <a:rPr lang="zh-CN" altLang="en-US"/>
-              <a:t>二级</a:t>
-            </a:r>
-          </a:p>
-          <a:p>
-            <a:pPr lvl="2"/>
-            <a:r>
-              <a:rPr lang="zh-CN" altLang="en-US"/>
-              <a:t>三级</a:t>
-            </a:r>
-          </a:p>
-          <a:p>
-            <a:pPr lvl="3"/>
-            <a:r>
-              <a:rPr lang="zh-CN" altLang="en-US"/>
-              <a:t>四级</a:t>
-            </a:r>
-          </a:p>
-          <a:p>
-            <a:pPr lvl="4"/>
-            <a:r>
-              <a:rPr lang="zh-CN" altLang="en-US"/>
-              <a:t>五级</a:t>
-            </a:r>
-          </a:p>
-        </p:txBody>
-      </p:sp>
-      <p:sp>
-        <p:nvSpPr>
-          <p:cNvPr id="7" name="日期占位符 6">
-            <a:extLst>
-              <a:ext uri="{FF2B5EF4-FFF2-40B4-BE49-F238E27FC236}">
-                <a16:creationId xmlns:a16="http://schemas.microsoft.com/office/drawing/2014/main" id="{C719EB7A-3764-04DC-F316-D54FF0EC2144}"/>
-              </a:ext>
-            </a:extLst>
-          </p:cNvPr>
-          <p:cNvSpPr>
-            <a:spLocks noGrp="1"/>
-          </p:cNvSpPr>
-          <p:nvPr>
-            <p:ph type="dt" sz="half" idx="10"/>
-          </p:nvPr>
-        </p:nvSpPr>
-        <p:spPr/>
-        <p:txBody>
-          <a:bodyPr/>
-          <a:lstStyle/>
-          <a:p>
-            <a:fld id="{ABDE1178-E9AD-4139-A89B-E3E12F7093C6}" type="datetimeFigureOut">
-              <a:rPr lang="zh-CN" altLang="en-US" smtClean="0"/>
-              <a:t>2023-05-02</a:t>
-            </a:fld>
-            <a:endParaRPr lang="zh-CN" altLang="en-US"/>
-          </a:p>
-        </p:txBody>
-      </p:sp>
-      <p:sp>
-        <p:nvSpPr>
-          <p:cNvPr id="8" name="页脚占位符 7">
-            <a:extLst>
-              <a:ext uri="{FF2B5EF4-FFF2-40B4-BE49-F238E27FC236}">
-                <a16:creationId xmlns:a16="http://schemas.microsoft.com/office/drawing/2014/main" id="{3095C694-2AC9-E78D-D07A-AA530BC87499}"/>
-              </a:ext>
-            </a:extLst>
-          </p:cNvPr>
-          <p:cNvSpPr>
-            <a:spLocks noGrp="1"/>
-          </p:cNvSpPr>
-          <p:nvPr>
-            <p:ph type="ftr" sz="quarter" idx="11"/>
-          </p:nvPr>
-        </p:nvSpPr>
-        <p:spPr/>
-        <p:txBody>
-          <a:bodyPr/>
-          <a:lstStyle/>
-          <a:p>
-            <a:endParaRPr lang="zh-CN" altLang="en-US"/>
-          </a:p>
-        </p:txBody>
-      </p:sp>
-      <p:sp>
-        <p:nvSpPr>
-          <p:cNvPr id="9" name="灯片编号占位符 8">
-            <a:extLst>
-              <a:ext uri="{FF2B5EF4-FFF2-40B4-BE49-F238E27FC236}">
-                <a16:creationId xmlns:a16="http://schemas.microsoft.com/office/drawing/2014/main" id="{05C82DA5-96FD-9F56-5D6E-394E10B84236}"/>
-              </a:ext>
-            </a:extLst>
-          </p:cNvPr>
-          <p:cNvSpPr>
-            <a:spLocks noGrp="1"/>
-          </p:cNvSpPr>
-          <p:nvPr>
-            <p:ph type="sldNum" sz="quarter" idx="12"/>
-          </p:nvPr>
-        </p:nvSpPr>
-        <p:spPr/>
-        <p:txBody>
-          <a:bodyPr/>
-          <a:lstStyle/>
-          <a:p>
-            <a:fld id="{295948B7-781D-4E11-810B-5454579F03C3}" type="slidenum">
-              <a:rPr lang="zh-CN" altLang="en-US" smtClean="0"/>
-              <a:t>‹#›</a:t>
-            </a:fld>
-            <a:endParaRPr lang="zh-CN" altLang="en-US"/>
-          </a:p>
-        </p:txBody>
-      </p:sp>
-    </p:spTree>
-    <p:extLst>
-      <p:ext uri="{BB962C8B-B14F-4D97-AF65-F5344CB8AC3E}">
-        <p14:creationId xmlns:p14="http://schemas.microsoft.com/office/powerpoint/2010/main" val="3515545086"/>
-      </p:ext>
-    </p:extLst>
-  </p:cSld>
-  <p:clrMapOvr>
-    <a:masterClrMapping/>
-  </p:clrMapOvr>
-</p:sldLayout>
-</file>
-
-<file path=ppt/slideLayouts/slideLayout6.xml><?xml version="1.0" encoding="utf-8"?>
-<p:sldLayout xmlns:a="http://schemas.openxmlformats.org/drawingml/2006/main" xmlns:r="http://schemas.openxmlformats.org/officeDocument/2006/relationships" xmlns:p="http://schemas.openxmlformats.org/presentationml/2006/main" type="titleOnly" preserve="1">
-  <p:cSld name="仅标题">
-    <p:spTree>
-      <p:nvGrpSpPr>
-        <p:cNvPr id="1" name=""/>
-        <p:cNvGrpSpPr/>
-        <p:nvPr/>
-      </p:nvGrpSpPr>
-      <p:grpSpPr>
-        <a:xfrm>
-          <a:off x="0" y="0"/>
-          <a:ext cx="0" cy="0"/>
-          <a:chOff x="0" y="0"/>
-          <a:chExt cx="0" cy="0"/>
-        </a:xfrm>
-      </p:grpSpPr>
-      <p:sp>
-        <p:nvSpPr>
-          <p:cNvPr id="2" name="标题 1">
-            <a:extLst>
-              <a:ext uri="{FF2B5EF4-FFF2-40B4-BE49-F238E27FC236}">
-                <a16:creationId xmlns:a16="http://schemas.microsoft.com/office/drawing/2014/main" id="{6F02C67E-1424-D1BF-44EE-8DC8F1D570BD}"/>
-              </a:ext>
-            </a:extLst>
-          </p:cNvPr>
-          <p:cNvSpPr>
-            <a:spLocks noGrp="1"/>
-          </p:cNvSpPr>
-          <p:nvPr>
-            <p:ph type="title"/>
-          </p:nvPr>
-        </p:nvSpPr>
-        <p:spPr/>
-        <p:txBody>
-          <a:bodyPr/>
-          <a:lstStyle/>
-          <a:p>
-            <a:r>
-              <a:rPr lang="zh-CN" altLang="en-US"/>
-              <a:t>单击此处编辑母版标题样式</a:t>
-            </a:r>
-          </a:p>
-        </p:txBody>
-      </p:sp>
-      <p:sp>
-        <p:nvSpPr>
-          <p:cNvPr id="3" name="日期占位符 2">
-            <a:extLst>
-              <a:ext uri="{FF2B5EF4-FFF2-40B4-BE49-F238E27FC236}">
-                <a16:creationId xmlns:a16="http://schemas.microsoft.com/office/drawing/2014/main" id="{28487517-5E8A-7CF4-0F2B-BEB8DAFDC2CE}"/>
-              </a:ext>
-            </a:extLst>
-          </p:cNvPr>
-          <p:cNvSpPr>
-            <a:spLocks noGrp="1"/>
-          </p:cNvSpPr>
-          <p:nvPr>
-            <p:ph type="dt" sz="half" idx="10"/>
-          </p:nvPr>
-        </p:nvSpPr>
-        <p:spPr/>
-        <p:txBody>
-          <a:bodyPr/>
-          <a:lstStyle/>
-          <a:p>
-            <a:fld id="{ABDE1178-E9AD-4139-A89B-E3E12F7093C6}" type="datetimeFigureOut">
-              <a:rPr lang="zh-CN" altLang="en-US" smtClean="0"/>
-              <a:t>2023-05-02</a:t>
-            </a:fld>
-            <a:endParaRPr lang="zh-CN" altLang="en-US"/>
-          </a:p>
-        </p:txBody>
-      </p:sp>
-      <p:sp>
-        <p:nvSpPr>
-          <p:cNvPr id="4" name="页脚占位符 3">
-            <a:extLst>
-              <a:ext uri="{FF2B5EF4-FFF2-40B4-BE49-F238E27FC236}">
-                <a16:creationId xmlns:a16="http://schemas.microsoft.com/office/drawing/2014/main" id="{F98399CA-CA16-781A-9897-A34088D2021B}"/>
-              </a:ext>
-            </a:extLst>
-          </p:cNvPr>
-          <p:cNvSpPr>
-            <a:spLocks noGrp="1"/>
-          </p:cNvSpPr>
-          <p:nvPr>
-            <p:ph type="ftr" sz="quarter" idx="11"/>
-          </p:nvPr>
-        </p:nvSpPr>
-        <p:spPr/>
-        <p:txBody>
-          <a:bodyPr/>
-          <a:lstStyle/>
-          <a:p>
-            <a:endParaRPr lang="zh-CN" altLang="en-US"/>
-          </a:p>
-        </p:txBody>
-      </p:sp>
-      <p:sp>
-        <p:nvSpPr>
-          <p:cNvPr id="5" name="灯片编号占位符 4">
-            <a:extLst>
-              <a:ext uri="{FF2B5EF4-FFF2-40B4-BE49-F238E27FC236}">
-                <a16:creationId xmlns:a16="http://schemas.microsoft.com/office/drawing/2014/main" id="{A29E9C44-9DAC-DDCE-CAB2-EDC1E5048901}"/>
-              </a:ext>
-            </a:extLst>
-          </p:cNvPr>
-          <p:cNvSpPr>
-            <a:spLocks noGrp="1"/>
-          </p:cNvSpPr>
-          <p:nvPr>
-            <p:ph type="sldNum" sz="quarter" idx="12"/>
-          </p:nvPr>
-        </p:nvSpPr>
-        <p:spPr/>
-        <p:txBody>
-          <a:bodyPr/>
-          <a:lstStyle/>
-          <a:p>
-            <a:fld id="{295948B7-781D-4E11-810B-5454579F03C3}" type="slidenum">
-              <a:rPr lang="zh-CN" altLang="en-US" smtClean="0"/>
-              <a:t>‹#›</a:t>
-            </a:fld>
-            <a:endParaRPr lang="zh-CN" altLang="en-US"/>
-          </a:p>
-        </p:txBody>
-      </p:sp>
-    </p:spTree>
-    <p:extLst>
-      <p:ext uri="{BB962C8B-B14F-4D97-AF65-F5344CB8AC3E}">
-        <p14:creationId xmlns:p14="http://schemas.microsoft.com/office/powerpoint/2010/main" val="3195229552"/>
-      </p:ext>
-    </p:extLst>
-  </p:cSld>
-  <p:clrMapOvr>
-    <a:masterClrMapping/>
-  </p:clrMapOvr>
-</p:sldLayout>
-</file>
-
-<file path=ppt/slideLayouts/slideLayout7.xml><?xml version="1.0" encoding="utf-8"?>
-<p:sldLayout xmlns:a="http://schemas.openxmlformats.org/drawingml/2006/main" xmlns:r="http://schemas.openxmlformats.org/officeDocument/2006/relationships" xmlns:p="http://schemas.openxmlformats.org/presentationml/2006/main" type="blank" preserve="1">
-  <p:cSld name="空白">
-    <p:spTree>
-      <p:nvGrpSpPr>
-        <p:cNvPr id="1" name=""/>
-        <p:cNvGrpSpPr/>
-        <p:nvPr/>
-      </p:nvGrpSpPr>
-      <p:grpSpPr>
-        <a:xfrm>
-          <a:off x="0" y="0"/>
-          <a:ext cx="0" cy="0"/>
-          <a:chOff x="0" y="0"/>
-          <a:chExt cx="0" cy="0"/>
-        </a:xfrm>
-      </p:grpSpPr>
-      <p:sp>
-        <p:nvSpPr>
-          <p:cNvPr id="2" name="日期占位符 1">
-            <a:extLst>
-              <a:ext uri="{FF2B5EF4-FFF2-40B4-BE49-F238E27FC236}">
-                <a16:creationId xmlns:a16="http://schemas.microsoft.com/office/drawing/2014/main" id="{43E75A84-944C-962E-73C2-6AAAD0BA3D32}"/>
-              </a:ext>
-            </a:extLst>
-          </p:cNvPr>
-          <p:cNvSpPr>
-            <a:spLocks noGrp="1"/>
-          </p:cNvSpPr>
-          <p:nvPr>
-            <p:ph type="dt" sz="half" idx="10"/>
-          </p:nvPr>
-        </p:nvSpPr>
-        <p:spPr/>
-        <p:txBody>
-          <a:bodyPr/>
-          <a:lstStyle/>
-          <a:p>
-            <a:fld id="{ABDE1178-E9AD-4139-A89B-E3E12F7093C6}" type="datetimeFigureOut">
-              <a:rPr lang="zh-CN" altLang="en-US" smtClean="0"/>
-              <a:t>2023-05-02</a:t>
-            </a:fld>
-            <a:endParaRPr lang="zh-CN" altLang="en-US"/>
-          </a:p>
-        </p:txBody>
-      </p:sp>
-      <p:sp>
-        <p:nvSpPr>
-          <p:cNvPr id="3" name="页脚占位符 2">
-            <a:extLst>
-              <a:ext uri="{FF2B5EF4-FFF2-40B4-BE49-F238E27FC236}">
-                <a16:creationId xmlns:a16="http://schemas.microsoft.com/office/drawing/2014/main" id="{929C837D-9A5D-CB5D-7DF2-91B3F919358D}"/>
-              </a:ext>
-            </a:extLst>
-          </p:cNvPr>
-          <p:cNvSpPr>
-            <a:spLocks noGrp="1"/>
-          </p:cNvSpPr>
-          <p:nvPr>
-            <p:ph type="ftr" sz="quarter" idx="11"/>
-          </p:nvPr>
-        </p:nvSpPr>
-        <p:spPr/>
-        <p:txBody>
-          <a:bodyPr/>
-          <a:lstStyle/>
-          <a:p>
-            <a:endParaRPr lang="zh-CN" altLang="en-US"/>
-          </a:p>
-        </p:txBody>
-      </p:sp>
-      <p:sp>
-        <p:nvSpPr>
-          <p:cNvPr id="4" name="灯片编号占位符 3">
-            <a:extLst>
-              <a:ext uri="{FF2B5EF4-FFF2-40B4-BE49-F238E27FC236}">
-                <a16:creationId xmlns:a16="http://schemas.microsoft.com/office/drawing/2014/main" id="{C2A9AC90-4C2D-B31E-1243-7A1D4BF60291}"/>
-              </a:ext>
-            </a:extLst>
-          </p:cNvPr>
-          <p:cNvSpPr>
-            <a:spLocks noGrp="1"/>
-          </p:cNvSpPr>
-          <p:nvPr>
-            <p:ph type="sldNum" sz="quarter" idx="12"/>
-          </p:nvPr>
-        </p:nvSpPr>
-        <p:spPr/>
-        <p:txBody>
-          <a:bodyPr/>
-          <a:lstStyle/>
-          <a:p>
-            <a:fld id="{295948B7-781D-4E11-810B-5454579F03C3}" type="slidenum">
-              <a:rPr lang="zh-CN" altLang="en-US" smtClean="0"/>
-              <a:t>‹#›</a:t>
-            </a:fld>
-            <a:endParaRPr lang="zh-CN" altLang="en-US"/>
-          </a:p>
-        </p:txBody>
-      </p:sp>
-    </p:spTree>
-    <p:extLst>
-      <p:ext uri="{BB962C8B-B14F-4D97-AF65-F5344CB8AC3E}">
-        <p14:creationId xmlns:p14="http://schemas.microsoft.com/office/powerpoint/2010/main" val="4210020737"/>
-      </p:ext>
-    </p:extLst>
-  </p:cSld>
-  <p:clrMapOvr>
-    <a:masterClrMapping/>
-  </p:clrMapOvr>
-</p:sldLayout>
-</file>
-
-<file path=ppt/slideLayouts/slideLayout8.xml><?xml version="1.0" encoding="utf-8"?>
-<p:sldLayout xmlns:a="http://schemas.openxmlformats.org/drawingml/2006/main" xmlns:r="http://schemas.openxmlformats.org/officeDocument/2006/relationships" xmlns:p="http://schemas.openxmlformats.org/presentationml/2006/main" type="objTx" preserve="1">
-  <p:cSld name="内容与标题">
-    <p:spTree>
-      <p:nvGrpSpPr>
-        <p:cNvPr id="1" name=""/>
-        <p:cNvGrpSpPr/>
-        <p:nvPr/>
-      </p:nvGrpSpPr>
-      <p:grpSpPr>
-        <a:xfrm>
-          <a:off x="0" y="0"/>
-          <a:ext cx="0" cy="0"/>
-          <a:chOff x="0" y="0"/>
-          <a:chExt cx="0" cy="0"/>
-        </a:xfrm>
-      </p:grpSpPr>
-      <p:sp>
-        <p:nvSpPr>
-          <p:cNvPr id="2" name="标题 1">
-            <a:extLst>
-              <a:ext uri="{FF2B5EF4-FFF2-40B4-BE49-F238E27FC236}">
-                <a16:creationId xmlns:a16="http://schemas.microsoft.com/office/drawing/2014/main" id="{6E39FDBD-A460-D7BA-F1F0-2321478F1651}"/>
-              </a:ext>
-            </a:extLst>
-          </p:cNvPr>
-          <p:cNvSpPr>
-            <a:spLocks noGrp="1"/>
-          </p:cNvSpPr>
-          <p:nvPr>
-            <p:ph type="title"/>
-          </p:nvPr>
-        </p:nvSpPr>
-        <p:spPr>
-          <a:xfrm>
-            <a:off x="839788" y="457200"/>
-            <a:ext cx="3932237" cy="1600200"/>
-          </a:xfrm>
-        </p:spPr>
-        <p:txBody>
-          <a:bodyPr anchor="b"/>
-          <a:lstStyle>
-            <a:lvl1pPr>
-              <a:defRPr sz="3200"/>
-            </a:lvl1pPr>
-          </a:lstStyle>
-          <a:p>
-            <a:r>
-              <a:rPr lang="zh-CN" altLang="en-US"/>
-              <a:t>单击此处编辑母版标题样式</a:t>
-            </a:r>
-          </a:p>
-        </p:txBody>
-      </p:sp>
-      <p:sp>
-        <p:nvSpPr>
-          <p:cNvPr id="3" name="内容占位符 2">
-            <a:extLst>
-              <a:ext uri="{FF2B5EF4-FFF2-40B4-BE49-F238E27FC236}">
-                <a16:creationId xmlns:a16="http://schemas.microsoft.com/office/drawing/2014/main" id="{E34127AC-70F2-941D-584D-D3BC840EECC1}"/>
-              </a:ext>
-            </a:extLst>
-          </p:cNvPr>
-          <p:cNvSpPr>
-            <a:spLocks noGrp="1"/>
-          </p:cNvSpPr>
-          <p:nvPr>
-            <p:ph idx="1"/>
-          </p:nvPr>
-        </p:nvSpPr>
-        <p:spPr>
-          <a:xfrm>
-            <a:off x="5183188" y="987425"/>
-            <a:ext cx="6172200" cy="4873625"/>
-          </a:xfrm>
-        </p:spPr>
-        <p:txBody>
-          <a:bodyPr/>
-          <a:lstStyle>
-            <a:lvl1pPr>
-              <a:defRPr sz="3200"/>
-            </a:lvl1pPr>
-            <a:lvl2pPr>
-              <a:defRPr sz="2800"/>
-            </a:lvl2pPr>
-            <a:lvl3pPr>
-              <a:defRPr sz="2400"/>
-            </a:lvl3pPr>
-            <a:lvl4pPr>
-              <a:defRPr sz="2000"/>
-            </a:lvl4pPr>
-            <a:lvl5pPr>
-              <a:defRPr sz="2000"/>
-            </a:lvl5pPr>
-            <a:lvl6pPr>
-              <a:defRPr sz="2000"/>
-            </a:lvl6pPr>
-            <a:lvl7pPr>
-              <a:defRPr sz="2000"/>
-            </a:lvl7pPr>
-            <a:lvl8pPr>
-              <a:defRPr sz="2000"/>
-            </a:lvl8pPr>
-            <a:lvl9pPr>
-              <a:defRPr sz="2000"/>
-            </a:lvl9pPr>
-          </a:lstStyle>
-          <a:p>
-            <a:pPr lvl="0"/>
-            <a:r>
-              <a:rPr lang="zh-CN" altLang="en-US"/>
-              <a:t>单击此处编辑母版文本样式</a:t>
-            </a:r>
-          </a:p>
-          <a:p>
-            <a:pPr lvl="1"/>
-            <a:r>
-              <a:rPr lang="zh-CN" altLang="en-US"/>
-              <a:t>二级</a:t>
-            </a:r>
-          </a:p>
-          <a:p>
-            <a:pPr lvl="2"/>
-            <a:r>
-              <a:rPr lang="zh-CN" altLang="en-US"/>
-              <a:t>三级</a:t>
-            </a:r>
-          </a:p>
-          <a:p>
-            <a:pPr lvl="3"/>
-            <a:r>
-              <a:rPr lang="zh-CN" altLang="en-US"/>
-              <a:t>四级</a:t>
-            </a:r>
-          </a:p>
-          <a:p>
-            <a:pPr lvl="4"/>
-            <a:r>
-              <a:rPr lang="zh-CN" altLang="en-US"/>
-              <a:t>五级</a:t>
-            </a:r>
-          </a:p>
-        </p:txBody>
-      </p:sp>
-      <p:sp>
-        <p:nvSpPr>
-          <p:cNvPr id="4" name="文本占位符 3">
-            <a:extLst>
-              <a:ext uri="{FF2B5EF4-FFF2-40B4-BE49-F238E27FC236}">
-                <a16:creationId xmlns:a16="http://schemas.microsoft.com/office/drawing/2014/main" id="{6F8B75F0-CF00-5C1F-D757-455489162B50}"/>
-              </a:ext>
-            </a:extLst>
-          </p:cNvPr>
-          <p:cNvSpPr>
-            <a:spLocks noGrp="1"/>
-          </p:cNvSpPr>
-          <p:nvPr>
-            <p:ph type="body" sz="half" idx="2"/>
-          </p:nvPr>
-        </p:nvSpPr>
-        <p:spPr>
-          <a:xfrm>
-            <a:off x="839788" y="2057400"/>
-            <a:ext cx="3932237" cy="3811588"/>
-          </a:xfrm>
-        </p:spPr>
-        <p:txBody>
-          <a:bodyPr/>
-          <a:lstStyle>
-            <a:lvl1pPr marL="0" indent="0">
-              <a:buNone/>
-              <a:defRPr sz="1600"/>
-            </a:lvl1pPr>
-            <a:lvl2pPr marL="457200" indent="0">
-              <a:buNone/>
-              <a:defRPr sz="1400"/>
-            </a:lvl2pPr>
-            <a:lvl3pPr marL="914400" indent="0">
-              <a:buNone/>
-              <a:defRPr sz="1200"/>
-            </a:lvl3pPr>
-            <a:lvl4pPr marL="1371600" indent="0">
-              <a:buNone/>
-              <a:defRPr sz="1000"/>
-            </a:lvl4pPr>
-            <a:lvl5pPr marL="1828800" indent="0">
-              <a:buNone/>
-              <a:defRPr sz="1000"/>
-            </a:lvl5pPr>
-            <a:lvl6pPr marL="2286000" indent="0">
-              <a:buNone/>
-              <a:defRPr sz="1000"/>
-            </a:lvl6pPr>
-            <a:lvl7pPr marL="2743200" indent="0">
-              <a:buNone/>
-              <a:defRPr sz="1000"/>
-            </a:lvl7pPr>
-            <a:lvl8pPr marL="3200400" indent="0">
-              <a:buNone/>
-              <a:defRPr sz="1000"/>
-            </a:lvl8pPr>
-            <a:lvl9pPr marL="3657600" indent="0">
-              <a:buNone/>
-              <a:defRPr sz="1000"/>
-            </a:lvl9pPr>
-          </a:lstStyle>
-          <a:p>
-            <a:pPr lvl="0"/>
-            <a:r>
-              <a:rPr lang="zh-CN" altLang="en-US"/>
-              <a:t>单击此处编辑母版文本样式</a:t>
-            </a:r>
-          </a:p>
-        </p:txBody>
-      </p:sp>
-      <p:sp>
-        <p:nvSpPr>
-          <p:cNvPr id="5" name="日期占位符 4">
-            <a:extLst>
-              <a:ext uri="{FF2B5EF4-FFF2-40B4-BE49-F238E27FC236}">
-                <a16:creationId xmlns:a16="http://schemas.microsoft.com/office/drawing/2014/main" id="{2DC7EA55-AF82-FC52-633C-EBC6CAA84B6C}"/>
-              </a:ext>
-            </a:extLst>
-          </p:cNvPr>
-          <p:cNvSpPr>
-            <a:spLocks noGrp="1"/>
-          </p:cNvSpPr>
-          <p:nvPr>
-            <p:ph type="dt" sz="half" idx="10"/>
-          </p:nvPr>
-        </p:nvSpPr>
-        <p:spPr/>
-        <p:txBody>
-          <a:bodyPr/>
-          <a:lstStyle/>
-          <a:p>
-            <a:fld id="{ABDE1178-E9AD-4139-A89B-E3E12F7093C6}" type="datetimeFigureOut">
-              <a:rPr lang="zh-CN" altLang="en-US" smtClean="0"/>
-              <a:t>2023-05-02</a:t>
-            </a:fld>
-            <a:endParaRPr lang="zh-CN" altLang="en-US"/>
-          </a:p>
-        </p:txBody>
-      </p:sp>
-      <p:sp>
-        <p:nvSpPr>
-          <p:cNvPr id="6" name="页脚占位符 5">
-            <a:extLst>
-              <a:ext uri="{FF2B5EF4-FFF2-40B4-BE49-F238E27FC236}">
-                <a16:creationId xmlns:a16="http://schemas.microsoft.com/office/drawing/2014/main" id="{92878E70-10AD-2501-5D09-276E3A70D08B}"/>
-              </a:ext>
-            </a:extLst>
-          </p:cNvPr>
-          <p:cNvSpPr>
-            <a:spLocks noGrp="1"/>
-          </p:cNvSpPr>
-          <p:nvPr>
-            <p:ph type="ftr" sz="quarter" idx="11"/>
-          </p:nvPr>
-        </p:nvSpPr>
-        <p:spPr/>
-        <p:txBody>
-          <a:bodyPr/>
-          <a:lstStyle/>
-          <a:p>
-            <a:endParaRPr lang="zh-CN" altLang="en-US"/>
-          </a:p>
-        </p:txBody>
-      </p:sp>
-      <p:sp>
-        <p:nvSpPr>
-          <p:cNvPr id="7" name="灯片编号占位符 6">
-            <a:extLst>
-              <a:ext uri="{FF2B5EF4-FFF2-40B4-BE49-F238E27FC236}">
-                <a16:creationId xmlns:a16="http://schemas.microsoft.com/office/drawing/2014/main" id="{78054454-F389-1F63-A7D0-604AF36453B5}"/>
-              </a:ext>
-            </a:extLst>
-          </p:cNvPr>
-          <p:cNvSpPr>
-            <a:spLocks noGrp="1"/>
-          </p:cNvSpPr>
-          <p:nvPr>
-            <p:ph type="sldNum" sz="quarter" idx="12"/>
-          </p:nvPr>
-        </p:nvSpPr>
-        <p:spPr/>
-        <p:txBody>
-          <a:bodyPr/>
-          <a:lstStyle/>
-          <a:p>
-            <a:fld id="{295948B7-781D-4E11-810B-5454579F03C3}" type="slidenum">
-              <a:rPr lang="zh-CN" altLang="en-US" smtClean="0"/>
-              <a:t>‹#›</a:t>
-            </a:fld>
-            <a:endParaRPr lang="zh-CN" altLang="en-US"/>
-          </a:p>
-        </p:txBody>
-      </p:sp>
-    </p:spTree>
-    <p:extLst>
-      <p:ext uri="{BB962C8B-B14F-4D97-AF65-F5344CB8AC3E}">
-        <p14:creationId xmlns:p14="http://schemas.microsoft.com/office/powerpoint/2010/main" val="4294570636"/>
-      </p:ext>
-    </p:extLst>
-  </p:cSld>
-  <p:clrMapOvr>
-    <a:masterClrMapping/>
-  </p:clrMapOvr>
-</p:sldLayout>
-</file>
-
-<file path=ppt/slideLayouts/slideLayout9.xml><?xml version="1.0" encoding="utf-8"?>
-<p:sldLayout xmlns:a="http://schemas.openxmlformats.org/drawingml/2006/main" xmlns:r="http://schemas.openxmlformats.org/officeDocument/2006/relationships" xmlns:p="http://schemas.openxmlformats.org/presentationml/2006/main" type="picTx" preserve="1">
-  <p:cSld name="图片与标题">
-    <p:spTree>
-      <p:nvGrpSpPr>
-        <p:cNvPr id="1" name=""/>
-        <p:cNvGrpSpPr/>
-        <p:nvPr/>
-      </p:nvGrpSpPr>
-      <p:grpSpPr>
-        <a:xfrm>
-          <a:off x="0" y="0"/>
-          <a:ext cx="0" cy="0"/>
-          <a:chOff x="0" y="0"/>
-          <a:chExt cx="0" cy="0"/>
-        </a:xfrm>
-      </p:grpSpPr>
-      <p:sp>
-        <p:nvSpPr>
-          <p:cNvPr id="2" name="标题 1">
-            <a:extLst>
-              <a:ext uri="{FF2B5EF4-FFF2-40B4-BE49-F238E27FC236}">
-                <a16:creationId xmlns:a16="http://schemas.microsoft.com/office/drawing/2014/main" id="{ADF44741-AC34-3CE3-6769-ADB13CE23161}"/>
-              </a:ext>
-            </a:extLst>
-          </p:cNvPr>
-          <p:cNvSpPr>
-            <a:spLocks noGrp="1"/>
-          </p:cNvSpPr>
-          <p:nvPr>
-            <p:ph type="title"/>
-          </p:nvPr>
-        </p:nvSpPr>
-        <p:spPr>
-          <a:xfrm>
-            <a:off x="839788" y="457200"/>
-            <a:ext cx="3932237" cy="1600200"/>
-          </a:xfrm>
-        </p:spPr>
-        <p:txBody>
-          <a:bodyPr anchor="b"/>
-          <a:lstStyle>
-            <a:lvl1pPr>
-              <a:defRPr sz="3200"/>
-            </a:lvl1pPr>
-          </a:lstStyle>
-          <a:p>
-            <a:r>
-              <a:rPr lang="zh-CN" altLang="en-US"/>
-              <a:t>单击此处编辑母版标题样式</a:t>
-            </a:r>
-          </a:p>
-        </p:txBody>
-      </p:sp>
-      <p:sp>
-        <p:nvSpPr>
-          <p:cNvPr id="3" name="图片占位符 2">
-            <a:extLst>
-              <a:ext uri="{FF2B5EF4-FFF2-40B4-BE49-F238E27FC236}">
-                <a16:creationId xmlns:a16="http://schemas.microsoft.com/office/drawing/2014/main" id="{FD8655DA-76E8-AED5-6098-1E3B5FDA854D}"/>
-              </a:ext>
-            </a:extLst>
-          </p:cNvPr>
-          <p:cNvSpPr>
-            <a:spLocks noGrp="1"/>
-          </p:cNvSpPr>
-          <p:nvPr>
-            <p:ph type="pic" idx="1"/>
-          </p:nvPr>
-        </p:nvSpPr>
-        <p:spPr>
-          <a:xfrm>
-            <a:off x="5183188" y="987425"/>
-            <a:ext cx="6172200" cy="4873625"/>
-          </a:xfrm>
-        </p:spPr>
-        <p:txBody>
-          <a:bodyPr/>
-          <a:lstStyle>
-            <a:lvl1pPr marL="0" indent="0">
-              <a:buNone/>
-              <a:defRPr sz="3200"/>
-            </a:lvl1pPr>
-            <a:lvl2pPr marL="457200" indent="0">
-              <a:buNone/>
-              <a:defRPr sz="2800"/>
-            </a:lvl2pPr>
-            <a:lvl3pPr marL="914400" indent="0">
-              <a:buNone/>
-              <a:defRPr sz="2400"/>
-            </a:lvl3pPr>
-            <a:lvl4pPr marL="1371600" indent="0">
-              <a:buNone/>
-              <a:defRPr sz="2000"/>
-            </a:lvl4pPr>
-            <a:lvl5pPr marL="1828800" indent="0">
-              <a:buNone/>
-              <a:defRPr sz="2000"/>
-            </a:lvl5pPr>
-            <a:lvl6pPr marL="2286000" indent="0">
-              <a:buNone/>
-              <a:defRPr sz="2000"/>
-            </a:lvl6pPr>
-            <a:lvl7pPr marL="2743200" indent="0">
-              <a:buNone/>
-              <a:defRPr sz="2000"/>
-            </a:lvl7pPr>
-            <a:lvl8pPr marL="3200400" indent="0">
-              <a:buNone/>
-              <a:defRPr sz="2000"/>
-            </a:lvl8pPr>
-            <a:lvl9pPr marL="3657600" indent="0">
-              <a:buNone/>
-              <a:defRPr sz="2000"/>
-            </a:lvl9pPr>
-          </a:lstStyle>
-          <a:p>
-            <a:endParaRPr lang="zh-CN" altLang="en-US"/>
-          </a:p>
-        </p:txBody>
-      </p:sp>
-      <p:sp>
-        <p:nvSpPr>
-          <p:cNvPr id="4" name="文本占位符 3">
-            <a:extLst>
-              <a:ext uri="{FF2B5EF4-FFF2-40B4-BE49-F238E27FC236}">
-                <a16:creationId xmlns:a16="http://schemas.microsoft.com/office/drawing/2014/main" id="{C2CE24B8-C1FF-9265-61BA-45320909E4F5}"/>
-              </a:ext>
-            </a:extLst>
-          </p:cNvPr>
-          <p:cNvSpPr>
-            <a:spLocks noGrp="1"/>
-          </p:cNvSpPr>
-          <p:nvPr>
-            <p:ph type="body" sz="half" idx="2"/>
-          </p:nvPr>
-        </p:nvSpPr>
-        <p:spPr>
-          <a:xfrm>
-            <a:off x="839788" y="2057400"/>
-            <a:ext cx="3932237" cy="3811588"/>
-          </a:xfrm>
-        </p:spPr>
-        <p:txBody>
-          <a:bodyPr/>
-          <a:lstStyle>
-            <a:lvl1pPr marL="0" indent="0">
-              <a:buNone/>
-              <a:defRPr sz="1600"/>
-            </a:lvl1pPr>
-            <a:lvl2pPr marL="457200" indent="0">
-              <a:buNone/>
-              <a:defRPr sz="1400"/>
-            </a:lvl2pPr>
-            <a:lvl3pPr marL="914400" indent="0">
-              <a:buNone/>
-              <a:defRPr sz="1200"/>
-            </a:lvl3pPr>
-            <a:lvl4pPr marL="1371600" indent="0">
-              <a:buNone/>
-              <a:defRPr sz="1000"/>
-            </a:lvl4pPr>
-            <a:lvl5pPr marL="1828800" indent="0">
-              <a:buNone/>
-              <a:defRPr sz="1000"/>
-            </a:lvl5pPr>
-            <a:lvl6pPr marL="2286000" indent="0">
-              <a:buNone/>
-              <a:defRPr sz="1000"/>
-            </a:lvl6pPr>
-            <a:lvl7pPr marL="2743200" indent="0">
-              <a:buNone/>
-              <a:defRPr sz="1000"/>
-            </a:lvl7pPr>
-            <a:lvl8pPr marL="3200400" indent="0">
-              <a:buNone/>
-              <a:defRPr sz="1000"/>
-            </a:lvl8pPr>
-            <a:lvl9pPr marL="3657600" indent="0">
-              <a:buNone/>
-              <a:defRPr sz="1000"/>
-            </a:lvl9pPr>
-          </a:lstStyle>
-          <a:p>
-            <a:pPr lvl="0"/>
-            <a:r>
-              <a:rPr lang="zh-CN" altLang="en-US"/>
-              <a:t>单击此处编辑母版文本样式</a:t>
-            </a:r>
-          </a:p>
-        </p:txBody>
-      </p:sp>
-      <p:sp>
-        <p:nvSpPr>
-          <p:cNvPr id="5" name="日期占位符 4">
-            <a:extLst>
-              <a:ext uri="{FF2B5EF4-FFF2-40B4-BE49-F238E27FC236}">
-                <a16:creationId xmlns:a16="http://schemas.microsoft.com/office/drawing/2014/main" id="{92D546C2-7362-1E84-BC92-A9E558269719}"/>
-              </a:ext>
-            </a:extLst>
-          </p:cNvPr>
-          <p:cNvSpPr>
-            <a:spLocks noGrp="1"/>
-          </p:cNvSpPr>
-          <p:nvPr>
-            <p:ph type="dt" sz="half" idx="10"/>
-          </p:nvPr>
-        </p:nvSpPr>
-        <p:spPr/>
-        <p:txBody>
-          <a:bodyPr/>
-          <a:lstStyle/>
-          <a:p>
-            <a:fld id="{ABDE1178-E9AD-4139-A89B-E3E12F7093C6}" type="datetimeFigureOut">
-              <a:rPr lang="zh-CN" altLang="en-US" smtClean="0"/>
-              <a:t>2023-05-02</a:t>
-            </a:fld>
-            <a:endParaRPr lang="zh-CN" altLang="en-US"/>
-          </a:p>
-        </p:txBody>
-      </p:sp>
-      <p:sp>
-        <p:nvSpPr>
-          <p:cNvPr id="6" name="页脚占位符 5">
-            <a:extLst>
-              <a:ext uri="{FF2B5EF4-FFF2-40B4-BE49-F238E27FC236}">
-                <a16:creationId xmlns:a16="http://schemas.microsoft.com/office/drawing/2014/main" id="{654961C1-82FF-89DB-879E-FC15C74BD5C4}"/>
-              </a:ext>
-            </a:extLst>
-          </p:cNvPr>
-          <p:cNvSpPr>
-            <a:spLocks noGrp="1"/>
-          </p:cNvSpPr>
-          <p:nvPr>
-            <p:ph type="ftr" sz="quarter" idx="11"/>
-          </p:nvPr>
-        </p:nvSpPr>
-        <p:spPr/>
-        <p:txBody>
-          <a:bodyPr/>
-          <a:lstStyle/>
-          <a:p>
-            <a:endParaRPr lang="zh-CN" altLang="en-US"/>
-          </a:p>
-        </p:txBody>
-      </p:sp>
-      <p:sp>
-        <p:nvSpPr>
-          <p:cNvPr id="7" name="灯片编号占位符 6">
-            <a:extLst>
-              <a:ext uri="{FF2B5EF4-FFF2-40B4-BE49-F238E27FC236}">
-                <a16:creationId xmlns:a16="http://schemas.microsoft.com/office/drawing/2014/main" id="{23C4C20C-7AC1-B176-A168-184A2BEA6AE0}"/>
-              </a:ext>
-            </a:extLst>
-          </p:cNvPr>
-          <p:cNvSpPr>
-            <a:spLocks noGrp="1"/>
-          </p:cNvSpPr>
-          <p:nvPr>
-            <p:ph type="sldNum" sz="quarter" idx="12"/>
-          </p:nvPr>
-        </p:nvSpPr>
-        <p:spPr/>
-        <p:txBody>
-          <a:bodyPr/>
-          <a:lstStyle/>
-          <a:p>
-            <a:fld id="{295948B7-781D-4E11-810B-5454579F03C3}" type="slidenum">
-              <a:rPr lang="zh-CN" altLang="en-US" smtClean="0"/>
-              <a:t>‹#›</a:t>
-            </a:fld>
-            <a:endParaRPr lang="zh-CN" altLang="en-US"/>
-          </a:p>
-        </p:txBody>
-      </p:sp>
-    </p:spTree>
-    <p:extLst>
-      <p:ext uri="{BB962C8B-B14F-4D97-AF65-F5344CB8AC3E}">
-        <p14:creationId xmlns:p14="http://schemas.microsoft.com/office/powerpoint/2010/main" val="1068501551"/>
       </p:ext>
     </p:extLst>
   </p:cSld>
@@ -2835,248 +236,6 @@
           <a:chExt cx="0" cy="0"/>
         </a:xfrm>
       </p:grpSpPr>
-      <p:sp>
-        <p:nvSpPr>
-          <p:cNvPr id="2" name="标题占位符 1">
-            <a:extLst>
-              <a:ext uri="{FF2B5EF4-FFF2-40B4-BE49-F238E27FC236}">
-                <a16:creationId xmlns:a16="http://schemas.microsoft.com/office/drawing/2014/main" id="{D733D57A-1CEB-00B9-E7C2-154BDDC5058F}"/>
-              </a:ext>
-            </a:extLst>
-          </p:cNvPr>
-          <p:cNvSpPr>
-            <a:spLocks noGrp="1"/>
-          </p:cNvSpPr>
-          <p:nvPr>
-            <p:ph type="title"/>
-          </p:nvPr>
-        </p:nvSpPr>
-        <p:spPr>
-          <a:xfrm>
-            <a:off x="838200" y="365125"/>
-            <a:ext cx="10515600" cy="1325563"/>
-          </a:xfrm>
-          <a:prstGeom prst="rect">
-            <a:avLst/>
-          </a:prstGeom>
-        </p:spPr>
-        <p:txBody>
-          <a:bodyPr vert="horz" lIns="91440" tIns="45720" rIns="91440" bIns="45720" rtlCol="0" anchor="ctr">
-            <a:normAutofit/>
-          </a:bodyPr>
-          <a:lstStyle/>
-          <a:p>
-            <a:r>
-              <a:rPr lang="zh-CN" altLang="en-US"/>
-              <a:t>单击此处编辑母版标题样式</a:t>
-            </a:r>
-          </a:p>
-        </p:txBody>
-      </p:sp>
-      <p:sp>
-        <p:nvSpPr>
-          <p:cNvPr id="3" name="文本占位符 2">
-            <a:extLst>
-              <a:ext uri="{FF2B5EF4-FFF2-40B4-BE49-F238E27FC236}">
-                <a16:creationId xmlns:a16="http://schemas.microsoft.com/office/drawing/2014/main" id="{818BED0E-66D4-1384-B33E-D4EB63C1B434}"/>
-              </a:ext>
-            </a:extLst>
-          </p:cNvPr>
-          <p:cNvSpPr>
-            <a:spLocks noGrp="1"/>
-          </p:cNvSpPr>
-          <p:nvPr>
-            <p:ph type="body" idx="1"/>
-          </p:nvPr>
-        </p:nvSpPr>
-        <p:spPr>
-          <a:xfrm>
-            <a:off x="838200" y="1825625"/>
-            <a:ext cx="10515600" cy="4351338"/>
-          </a:xfrm>
-          <a:prstGeom prst="rect">
-            <a:avLst/>
-          </a:prstGeom>
-        </p:spPr>
-        <p:txBody>
-          <a:bodyPr vert="horz" lIns="91440" tIns="45720" rIns="91440" bIns="45720" rtlCol="0">
-            <a:normAutofit/>
-          </a:bodyPr>
-          <a:lstStyle/>
-          <a:p>
-            <a:pPr lvl="0"/>
-            <a:r>
-              <a:rPr lang="zh-CN" altLang="en-US"/>
-              <a:t>单击此处编辑母版文本样式</a:t>
-            </a:r>
-          </a:p>
-          <a:p>
-            <a:pPr lvl="1"/>
-            <a:r>
-              <a:rPr lang="zh-CN" altLang="en-US"/>
-              <a:t>二级</a:t>
-            </a:r>
-          </a:p>
-          <a:p>
-            <a:pPr lvl="2"/>
-            <a:r>
-              <a:rPr lang="zh-CN" altLang="en-US"/>
-              <a:t>三级</a:t>
-            </a:r>
-          </a:p>
-          <a:p>
-            <a:pPr lvl="3"/>
-            <a:r>
-              <a:rPr lang="zh-CN" altLang="en-US"/>
-              <a:t>四级</a:t>
-            </a:r>
-          </a:p>
-          <a:p>
-            <a:pPr lvl="4"/>
-            <a:r>
-              <a:rPr lang="zh-CN" altLang="en-US"/>
-              <a:t>五级</a:t>
-            </a:r>
-          </a:p>
-        </p:txBody>
-      </p:sp>
-      <p:sp>
-        <p:nvSpPr>
-          <p:cNvPr id="4" name="日期占位符 3">
-            <a:extLst>
-              <a:ext uri="{FF2B5EF4-FFF2-40B4-BE49-F238E27FC236}">
-                <a16:creationId xmlns:a16="http://schemas.microsoft.com/office/drawing/2014/main" id="{EA0103B2-05FF-25A2-9DD0-A09684DCF130}"/>
-              </a:ext>
-            </a:extLst>
-          </p:cNvPr>
-          <p:cNvSpPr>
-            <a:spLocks noGrp="1"/>
-          </p:cNvSpPr>
-          <p:nvPr>
-            <p:ph type="dt" sz="half" idx="2"/>
-          </p:nvPr>
-        </p:nvSpPr>
-        <p:spPr>
-          <a:xfrm>
-            <a:off x="838200" y="6356350"/>
-            <a:ext cx="2743200" cy="365125"/>
-          </a:xfrm>
-          <a:prstGeom prst="rect">
-            <a:avLst/>
-          </a:prstGeom>
-        </p:spPr>
-        <p:txBody>
-          <a:bodyPr vert="horz" lIns="91440" tIns="45720" rIns="91440" bIns="45720" rtlCol="0" anchor="ctr"/>
-          <a:lstStyle>
-            <a:lvl1pPr algn="l">
-              <a:defRPr sz="1200">
-                <a:solidFill>
-                  <a:schemeClr val="tx1">
-                    <a:tint val="75000"/>
-                  </a:schemeClr>
-                </a:solidFill>
-              </a:defRPr>
-            </a:lvl1pPr>
-          </a:lstStyle>
-          <a:p>
-            <a:fld id="{ABDE1178-E9AD-4139-A89B-E3E12F7093C6}" type="datetimeFigureOut">
-              <a:rPr lang="zh-CN" altLang="en-US" smtClean="0"/>
-              <a:t>2023-05-02</a:t>
-            </a:fld>
-            <a:endParaRPr lang="zh-CN" altLang="en-US"/>
-          </a:p>
-        </p:txBody>
-      </p:sp>
-      <p:sp>
-        <p:nvSpPr>
-          <p:cNvPr id="5" name="页脚占位符 4">
-            <a:extLst>
-              <a:ext uri="{FF2B5EF4-FFF2-40B4-BE49-F238E27FC236}">
-                <a16:creationId xmlns:a16="http://schemas.microsoft.com/office/drawing/2014/main" id="{4C36EB34-E2E6-B20A-A30F-8EF1815664AB}"/>
-              </a:ext>
-            </a:extLst>
-          </p:cNvPr>
-          <p:cNvSpPr>
-            <a:spLocks noGrp="1"/>
-          </p:cNvSpPr>
-          <p:nvPr>
-            <p:ph type="ftr" sz="quarter" idx="3"/>
-          </p:nvPr>
-        </p:nvSpPr>
-        <p:spPr>
-          <a:xfrm>
-            <a:off x="4038600" y="6356350"/>
-            <a:ext cx="4114800" cy="365125"/>
-          </a:xfrm>
-          <a:prstGeom prst="rect">
-            <a:avLst/>
-          </a:prstGeom>
-        </p:spPr>
-        <p:txBody>
-          <a:bodyPr vert="horz" lIns="91440" tIns="45720" rIns="91440" bIns="45720" rtlCol="0" anchor="ctr"/>
-          <a:lstStyle>
-            <a:lvl1pPr algn="ctr">
-              <a:defRPr sz="1200">
-                <a:solidFill>
-                  <a:schemeClr val="tx1">
-                    <a:tint val="75000"/>
-                  </a:schemeClr>
-                </a:solidFill>
-              </a:defRPr>
-            </a:lvl1pPr>
-          </a:lstStyle>
-          <a:p>
-            <a:endParaRPr lang="zh-CN" altLang="en-US"/>
-          </a:p>
-        </p:txBody>
-      </p:sp>
-      <p:sp>
-        <p:nvSpPr>
-          <p:cNvPr id="6" name="灯片编号占位符 5">
-            <a:extLst>
-              <a:ext uri="{FF2B5EF4-FFF2-40B4-BE49-F238E27FC236}">
-                <a16:creationId xmlns:a16="http://schemas.microsoft.com/office/drawing/2014/main" id="{D8656A0D-2C04-FB72-9D68-FAC81F243B0E}"/>
-              </a:ext>
-            </a:extLst>
-          </p:cNvPr>
-          <p:cNvSpPr>
-            <a:spLocks noGrp="1"/>
-          </p:cNvSpPr>
-          <p:nvPr>
-            <p:ph type="sldNum" sz="quarter" idx="4"/>
-          </p:nvPr>
-        </p:nvSpPr>
-        <p:spPr>
-          <a:xfrm>
-            <a:off x="8610600" y="6356350"/>
-            <a:ext cx="2743200" cy="365125"/>
-          </a:xfrm>
-          <a:prstGeom prst="rect">
-            <a:avLst/>
-          </a:prstGeom>
-        </p:spPr>
-        <p:txBody>
-          <a:bodyPr vert="horz" lIns="91440" tIns="45720" rIns="91440" bIns="45720" rtlCol="0" anchor="ctr"/>
-          <a:lstStyle>
-            <a:lvl1pPr algn="r">
-              <a:defRPr sz="1200">
-                <a:solidFill>
-                  <a:schemeClr val="tx1">
-                    <a:tint val="75000"/>
-                  </a:schemeClr>
-                </a:solidFill>
-              </a:defRPr>
-            </a:lvl1pPr>
-          </a:lstStyle>
-          <a:p>
-            <a:fld id="{295948B7-781D-4E11-810B-5454579F03C3}" type="slidenum">
-              <a:rPr lang="zh-CN" altLang="en-US" smtClean="0"/>
-              <a:t>‹#›</a:t>
-            </a:fld>
-            <a:endParaRPr lang="zh-CN" altLang="en-US"/>
-          </a:p>
-        </p:txBody>
-      </p:sp>
     </p:spTree>
     <p:extLst>
       <p:ext uri="{BB962C8B-B14F-4D97-AF65-F5344CB8AC3E}">
@@ -3087,16 +246,6 @@
   <p:clrMap bg1="lt1" tx1="dk1" bg2="lt2" tx2="dk2" accent1="accent1" accent2="accent2" accent3="accent3" accent4="accent4" accent5="accent5" accent6="accent6" hlink="hlink" folHlink="folHlink"/>
   <p:sldLayoutIdLst>
     <p:sldLayoutId id="2147483649" r:id="rId1"/>
-    <p:sldLayoutId id="2147483650" r:id="rId2"/>
-    <p:sldLayoutId id="2147483651" r:id="rId3"/>
-    <p:sldLayoutId id="2147483652" r:id="rId4"/>
-    <p:sldLayoutId id="2147483653" r:id="rId5"/>
-    <p:sldLayoutId id="2147483654" r:id="rId6"/>
-    <p:sldLayoutId id="2147483655" r:id="rId7"/>
-    <p:sldLayoutId id="2147483656" r:id="rId8"/>
-    <p:sldLayoutId id="2147483657" r:id="rId9"/>
-    <p:sldLayoutId id="2147483658" r:id="rId10"/>
-    <p:sldLayoutId id="2147483659" r:id="rId11"/>
   </p:sldLayoutIdLst>
   <p:txStyles>
     <p:titleStyle>
